--- a/Section2(上半平面とポアンカレ計量)/1-EuclidSpace.pptx
+++ b/Section2(上半平面とポアンカレ計量)/1-EuclidSpace.pptx
@@ -9915,8 +9915,8 @@
           </a:p>
         </p:txBody>
       </p:sp>
-      <mc:AlternateContent xmlns:mc="http://schemas.openxmlformats.org/markup-compatibility/2006">
-        <mc:Choice xmlns:a14="http://schemas.microsoft.com/office/drawing/2010/main" Requires="a14">
+      <mc:AlternateContent xmlns:mc="http://schemas.openxmlformats.org/markup-compatibility/2006" xmlns:a14="http://schemas.microsoft.com/office/drawing/2010/main">
+        <mc:Choice Requires="a14">
           <p:sp>
             <p:nvSpPr>
               <p:cNvPr id="61" name="Google Shape;61;p14"/>
@@ -10784,7 +10784,7 @@
                             <a:ea typeface="M+ 1p light" panose="020B0402020203020204" pitchFamily="50" charset="-128"/>
                             <a:cs typeface="M+ 1p light" panose="020B0402020203020204" pitchFamily="50" charset="-128"/>
                           </a:rPr>
-                          <m:t>𝑎</m:t>
+                          <m:t>𝑏</m:t>
                         </m:r>
                         <m:r>
                           <a:rPr lang="en-US" altLang="ja-JP" sz="1600" b="0" i="1" smtClean="0">
@@ -10871,7 +10871,7 @@
             </p:txBody>
           </p:sp>
         </mc:Choice>
-        <mc:Fallback>
+        <mc:Fallback xmlns="">
           <p:sp>
             <p:nvSpPr>
               <p:cNvPr id="61" name="Google Shape;61;p14"/>
@@ -17786,7 +17786,7 @@
                     <a:ea typeface="M+ 1p light" panose="020B0402020203020204" pitchFamily="50" charset="-128"/>
                     <a:cs typeface="M+ 1p light" panose="020B0402020203020204" pitchFamily="50" charset="-128"/>
                   </a:rPr>
-                  <a:t>が成立しているため</a:t>
+                  <a:t>が成立する</a:t>
                 </a:r>
                 <a:r>
                   <a:rPr lang="en-US" altLang="ja-JP" sz="1600" dirty="0">
@@ -19033,8 +19033,8 @@
           </a:p>
         </p:txBody>
       </p:sp>
-      <mc:AlternateContent xmlns:mc="http://schemas.openxmlformats.org/markup-compatibility/2006">
-        <mc:Choice xmlns:a14="http://schemas.microsoft.com/office/drawing/2010/main" Requires="a14">
+      <mc:AlternateContent xmlns:mc="http://schemas.openxmlformats.org/markup-compatibility/2006" xmlns:a14="http://schemas.microsoft.com/office/drawing/2010/main">
+        <mc:Choice Requires="a14">
           <p:sp>
             <p:nvSpPr>
               <p:cNvPr id="61" name="Google Shape;61;p14"/>
@@ -19373,6 +19373,84 @@
                       </a:rPr>
                       <m:t>ℝ</m:t>
                     </m:r>
+                    <m:r>
+                      <a:rPr lang="en-US" altLang="ja-JP" b="0" i="1" smtClean="0">
+                        <a:latin typeface="Cambria Math" panose="02040503050406030204" pitchFamily="18" charset="0"/>
+                        <a:ea typeface="M+ 1p light" panose="020B0402020203020204" pitchFamily="50" charset="-128"/>
+                        <a:cs typeface="M+ 1p light" panose="020B0402020203020204" pitchFamily="50" charset="-128"/>
+                      </a:rPr>
+                      <m:t>, </m:t>
+                    </m:r>
+                    <m:d>
+                      <m:dPr>
+                        <m:begChr m:val="|"/>
+                        <m:endChr m:val="|"/>
+                        <m:ctrlPr>
+                          <a:rPr lang="en-US" altLang="ja-JP" b="0" i="1" smtClean="0">
+                            <a:latin typeface="Cambria Math" panose="02040503050406030204" pitchFamily="18" charset="0"/>
+                            <a:ea typeface="M+ 1p light" panose="020B0402020203020204" pitchFamily="50" charset="-128"/>
+                            <a:cs typeface="M+ 1p light" panose="020B0402020203020204" pitchFamily="50" charset="-128"/>
+                          </a:rPr>
+                        </m:ctrlPr>
+                      </m:dPr>
+                      <m:e>
+                        <m:r>
+                          <a:rPr lang="en-US" altLang="ja-JP" b="0" i="1" smtClean="0">
+                            <a:latin typeface="Cambria Math" panose="02040503050406030204" pitchFamily="18" charset="0"/>
+                            <a:ea typeface="M+ 1p light" panose="020B0402020203020204" pitchFamily="50" charset="-128"/>
+                            <a:cs typeface="M+ 1p light" panose="020B0402020203020204" pitchFamily="50" charset="-128"/>
+                          </a:rPr>
+                          <m:t>𝑥</m:t>
+                        </m:r>
+                      </m:e>
+                    </m:d>
+                    <m:r>
+                      <a:rPr lang="en-US" altLang="ja-JP" b="0" i="1" smtClean="0">
+                        <a:latin typeface="Cambria Math" panose="02040503050406030204" pitchFamily="18" charset="0"/>
+                        <a:ea typeface="M+ 1p light" panose="020B0402020203020204" pitchFamily="50" charset="-128"/>
+                        <a:cs typeface="M+ 1p light" panose="020B0402020203020204" pitchFamily="50" charset="-128"/>
+                      </a:rPr>
+                      <m:t>=</m:t>
+                    </m:r>
+                    <m:rad>
+                      <m:radPr>
+                        <m:degHide m:val="on"/>
+                        <m:ctrlPr>
+                          <a:rPr lang="en-US" altLang="ja-JP" b="0" i="1" smtClean="0">
+                            <a:latin typeface="Cambria Math" panose="02040503050406030204" pitchFamily="18" charset="0"/>
+                            <a:ea typeface="M+ 1p light" panose="020B0402020203020204" pitchFamily="50" charset="-128"/>
+                            <a:cs typeface="M+ 1p light" panose="020B0402020203020204" pitchFamily="50" charset="-128"/>
+                          </a:rPr>
+                        </m:ctrlPr>
+                      </m:radPr>
+                      <m:deg/>
+                      <m:e>
+                        <m:r>
+                          <a:rPr lang="en-US" altLang="ja-JP" b="0" i="1" smtClean="0">
+                            <a:latin typeface="Cambria Math" panose="02040503050406030204" pitchFamily="18" charset="0"/>
+                            <a:ea typeface="M+ 1p light" panose="020B0402020203020204" pitchFamily="50" charset="-128"/>
+                            <a:cs typeface="M+ 1p light" panose="020B0402020203020204" pitchFamily="50" charset="-128"/>
+                          </a:rPr>
+                          <m:t>𝑥</m:t>
+                        </m:r>
+                        <m:r>
+                          <a:rPr lang="en-US" altLang="ja-JP" b="0" i="1" smtClean="0">
+                            <a:latin typeface="Cambria Math" panose="02040503050406030204" pitchFamily="18" charset="0"/>
+                            <a:ea typeface="M+ 1p light" panose="020B0402020203020204" pitchFamily="50" charset="-128"/>
+                            <a:cs typeface="M+ 1p light" panose="020B0402020203020204" pitchFamily="50" charset="-128"/>
+                          </a:rPr>
+                          <m:t>∙</m:t>
+                        </m:r>
+                        <m:r>
+                          <a:rPr lang="en-US" altLang="ja-JP" b="0" i="1" smtClean="0">
+                            <a:latin typeface="Cambria Math" panose="02040503050406030204" pitchFamily="18" charset="0"/>
+                            <a:ea typeface="M+ 1p light" panose="020B0402020203020204" pitchFamily="50" charset="-128"/>
+                            <a:cs typeface="M+ 1p light" panose="020B0402020203020204" pitchFamily="50" charset="-128"/>
+                          </a:rPr>
+                          <m:t>𝑥</m:t>
+                        </m:r>
+                      </m:e>
+                    </m:rad>
                   </m:oMath>
                 </a14:m>
                 <a:r>
@@ -20205,7 +20283,7 @@
             </p:txBody>
           </p:sp>
         </mc:Choice>
-        <mc:Fallback>
+        <mc:Fallback xmlns="">
           <p:sp>
             <p:nvSpPr>
               <p:cNvPr id="61" name="Google Shape;61;p14"/>
@@ -21541,7 +21619,7 @@
                 <a:ea typeface="M+ 1p" panose="020B0503020203020204" pitchFamily="50" charset="-128"/>
                 <a:cs typeface="M+ 1p" panose="020B0503020203020204" pitchFamily="50" charset="-128"/>
               </a:rPr>
-              <a:t>ユークリッド変換群の詳細</a:t>
+              <a:t>ユークリッド変換群の具体的な中身</a:t>
             </a:r>
             <a:endParaRPr dirty="0">
               <a:solidFill>
@@ -21557,8 +21635,8 @@
           </a:p>
         </p:txBody>
       </p:sp>
-      <mc:AlternateContent xmlns:mc="http://schemas.openxmlformats.org/markup-compatibility/2006">
-        <mc:Choice xmlns:a14="http://schemas.microsoft.com/office/drawing/2010/main" Requires="a14">
+      <mc:AlternateContent xmlns:mc="http://schemas.openxmlformats.org/markup-compatibility/2006" xmlns:a14="http://schemas.microsoft.com/office/drawing/2010/main">
+        <mc:Choice Requires="a14">
           <p:sp>
             <p:nvSpPr>
               <p:cNvPr id="61" name="Google Shape;61;p14"/>
@@ -21609,7 +21687,26 @@
                     <a:ea typeface="M+ 1p light" panose="020B0402020203020204" pitchFamily="50" charset="-128"/>
                     <a:cs typeface="M+ 1p light" panose="020B0402020203020204" pitchFamily="50" charset="-128"/>
                   </a:rPr>
-                  <a:t>角度と内積が定義できたところで</a:t>
+                  <a:t>角度と</a:t>
+                </a:r>
+                <a:r>
+                  <a:rPr lang="ja-JP" altLang="en-US" sz="1600" dirty="0">
+                    <a:solidFill>
+                      <a:srgbClr val="0097A7"/>
+                    </a:solidFill>
+                    <a:latin typeface="M+ 1p light" panose="020B0402020203020204" pitchFamily="50" charset="-128"/>
+                    <a:ea typeface="M+ 1p light" panose="020B0402020203020204" pitchFamily="50" charset="-128"/>
+                    <a:cs typeface="M+ 1p light" panose="020B0402020203020204" pitchFamily="50" charset="-128"/>
+                  </a:rPr>
+                  <a:t>内積</a:t>
+                </a:r>
+                <a:r>
+                  <a:rPr lang="ja-JP" altLang="en-US" sz="1600" dirty="0">
+                    <a:latin typeface="M+ 1p light" panose="020B0402020203020204" pitchFamily="50" charset="-128"/>
+                    <a:ea typeface="M+ 1p light" panose="020B0402020203020204" pitchFamily="50" charset="-128"/>
+                    <a:cs typeface="M+ 1p light" panose="020B0402020203020204" pitchFamily="50" charset="-128"/>
+                  </a:rPr>
+                  <a:t>が定義できたところで</a:t>
                 </a:r>
                 <a:r>
                   <a:rPr lang="en-US" altLang="ja-JP" sz="1600" dirty="0">
@@ -21621,11 +21718,22 @@
                 </a:r>
                 <a:r>
                   <a:rPr lang="ja-JP" altLang="en-US" sz="1600" dirty="0">
-                    <a:latin typeface="M+ 1p light" panose="020B0402020203020204" pitchFamily="50" charset="-128"/>
-                    <a:ea typeface="M+ 1p light" panose="020B0402020203020204" pitchFamily="50" charset="-128"/>
-                    <a:cs typeface="M+ 1p light" panose="020B0402020203020204" pitchFamily="50" charset="-128"/>
-                  </a:rPr>
-                  <a:t>ユークリッド群が一体何によってそもそも構成されているのかを確認していこう</a:t>
+                    <a:solidFill>
+                      <a:srgbClr val="0097A7"/>
+                    </a:solidFill>
+                    <a:latin typeface="M+ 1p light" panose="020B0402020203020204" pitchFamily="50" charset="-128"/>
+                    <a:ea typeface="M+ 1p light" panose="020B0402020203020204" pitchFamily="50" charset="-128"/>
+                    <a:cs typeface="M+ 1p light" panose="020B0402020203020204" pitchFamily="50" charset="-128"/>
+                  </a:rPr>
+                  <a:t>ユークリッド群</a:t>
+                </a:r>
+                <a:r>
+                  <a:rPr lang="ja-JP" altLang="en-US" sz="1600" dirty="0">
+                    <a:latin typeface="M+ 1p light" panose="020B0402020203020204" pitchFamily="50" charset="-128"/>
+                    <a:ea typeface="M+ 1p light" panose="020B0402020203020204" pitchFamily="50" charset="-128"/>
+                    <a:cs typeface="M+ 1p light" panose="020B0402020203020204" pitchFamily="50" charset="-128"/>
+                  </a:rPr>
+                  <a:t>が一体何によってそもそも構成されているのかを確認していこう</a:t>
                 </a:r>
                 <a:r>
                   <a:rPr lang="en-US" altLang="ja-JP" sz="1600" dirty="0">
@@ -21684,7 +21792,18 @@
                     <a:ea typeface="M+ 1p light" panose="020B0402020203020204" pitchFamily="50" charset="-128"/>
                     <a:cs typeface="M+ 1p light" panose="020B0402020203020204" pitchFamily="50" charset="-128"/>
                   </a:rPr>
-                  <a:t>の元は回転</a:t>
+                  <a:t>のすべての元は</a:t>
+                </a:r>
+                <a:r>
+                  <a:rPr lang="ja-JP" altLang="en-US" sz="1600" dirty="0">
+                    <a:solidFill>
+                      <a:srgbClr val="0097A7"/>
+                    </a:solidFill>
+                    <a:latin typeface="M+ 1p light" panose="020B0402020203020204" pitchFamily="50" charset="-128"/>
+                    <a:ea typeface="M+ 1p light" panose="020B0402020203020204" pitchFamily="50" charset="-128"/>
+                    <a:cs typeface="M+ 1p light" panose="020B0402020203020204" pitchFamily="50" charset="-128"/>
+                  </a:rPr>
+                  <a:t>回転</a:t>
                 </a:r>
                 <a:r>
                   <a:rPr lang="en-US" altLang="ja-JP" sz="1600" dirty="0">
@@ -21696,6 +21815,9 @@
                 </a:r>
                 <a:r>
                   <a:rPr lang="ja-JP" altLang="en-US" sz="1600" dirty="0">
+                    <a:solidFill>
+                      <a:srgbClr val="0097A7"/>
+                    </a:solidFill>
                     <a:latin typeface="M+ 1p light" panose="020B0402020203020204" pitchFamily="50" charset="-128"/>
                     <a:ea typeface="M+ 1p light" panose="020B0402020203020204" pitchFamily="50" charset="-128"/>
                     <a:cs typeface="M+ 1p light" panose="020B0402020203020204" pitchFamily="50" charset="-128"/>
@@ -21712,19 +21834,46 @@
                 </a:r>
                 <a:r>
                   <a:rPr lang="ja-JP" altLang="en-US" sz="1600" dirty="0">
-                    <a:latin typeface="M+ 1p light" panose="020B0402020203020204" pitchFamily="50" charset="-128"/>
-                    <a:ea typeface="M+ 1p light" panose="020B0402020203020204" pitchFamily="50" charset="-128"/>
-                    <a:cs typeface="M+ 1p light" panose="020B0402020203020204" pitchFamily="50" charset="-128"/>
-                  </a:rPr>
-                  <a:t>平行移動を合成したものである</a:t>
-                </a:r>
-                <a:r>
-                  <a:rPr lang="en-US" altLang="ja-JP" sz="1600" dirty="0">
-                    <a:latin typeface="M+ 1p light" panose="020B0402020203020204" pitchFamily="50" charset="-128"/>
-                    <a:ea typeface="M+ 1p light" panose="020B0402020203020204" pitchFamily="50" charset="-128"/>
-                    <a:cs typeface="M+ 1p light" panose="020B0402020203020204" pitchFamily="50" charset="-128"/>
-                  </a:rPr>
-                  <a:t>.</a:t>
+                    <a:solidFill>
+                      <a:srgbClr val="0097A7"/>
+                    </a:solidFill>
+                    <a:latin typeface="M+ 1p light" panose="020B0402020203020204" pitchFamily="50" charset="-128"/>
+                    <a:ea typeface="M+ 1p light" panose="020B0402020203020204" pitchFamily="50" charset="-128"/>
+                    <a:cs typeface="M+ 1p light" panose="020B0402020203020204" pitchFamily="50" charset="-128"/>
+                  </a:rPr>
+                  <a:t>平行移動</a:t>
+                </a:r>
+                <a:r>
+                  <a:rPr lang="ja-JP" altLang="en-US" sz="1600" dirty="0">
+                    <a:latin typeface="M+ 1p light" panose="020B0402020203020204" pitchFamily="50" charset="-128"/>
+                    <a:ea typeface="M+ 1p light" panose="020B0402020203020204" pitchFamily="50" charset="-128"/>
+                    <a:cs typeface="M+ 1p light" panose="020B0402020203020204" pitchFamily="50" charset="-128"/>
+                  </a:rPr>
+                  <a:t>を組み合わせて作れる</a:t>
+                </a:r>
+                <a:r>
+                  <a:rPr lang="en-US" altLang="ja-JP" sz="1400" dirty="0">
+                    <a:latin typeface="M+ 1p light" panose="020B0402020203020204" pitchFamily="50" charset="-128"/>
+                    <a:ea typeface="M+ 1p light" panose="020B0402020203020204" pitchFamily="50" charset="-128"/>
+                    <a:cs typeface="M+ 1p light" panose="020B0402020203020204" pitchFamily="50" charset="-128"/>
+                  </a:rPr>
+                  <a:t>(</a:t>
+                </a:r>
+                <a:r>
+                  <a:rPr lang="ja-JP" altLang="en-US" sz="1400" dirty="0">
+                    <a:latin typeface="M+ 1p light" panose="020B0402020203020204" pitchFamily="50" charset="-128"/>
+                    <a:ea typeface="M+ 1p light" panose="020B0402020203020204" pitchFamily="50" charset="-128"/>
+                    <a:cs typeface="M+ 1p light" panose="020B0402020203020204" pitchFamily="50" charset="-128"/>
+                  </a:rPr>
+                  <a:t>合成したもの</a:t>
+                </a:r>
+                <a:r>
+                  <a:rPr lang="en-US" altLang="ja-JP" sz="1400" dirty="0">
+                    <a:latin typeface="M+ 1p light" panose="020B0402020203020204" pitchFamily="50" charset="-128"/>
+                    <a:ea typeface="M+ 1p light" panose="020B0402020203020204" pitchFamily="50" charset="-128"/>
+                    <a:cs typeface="M+ 1p light" panose="020B0402020203020204" pitchFamily="50" charset="-128"/>
+                  </a:rPr>
+                  <a:t>)</a:t>
                 </a:r>
                 <a:r>
                   <a:rPr lang="ja-JP" altLang="en-US" sz="1600" dirty="0">
@@ -22049,11 +22198,22 @@
                 </a14:m>
                 <a:r>
                   <a:rPr lang="ja-JP" altLang="en-US" sz="1600" dirty="0">
-                    <a:latin typeface="M+ 1p light" panose="020B0402020203020204" pitchFamily="50" charset="-128"/>
-                    <a:ea typeface="M+ 1p light" panose="020B0402020203020204" pitchFamily="50" charset="-128"/>
-                    <a:cs typeface="M+ 1p light" panose="020B0402020203020204" pitchFamily="50" charset="-128"/>
-                  </a:rPr>
-                  <a:t>等長変換であるための必要十分条件は</a:t>
+                    <a:solidFill>
+                      <a:srgbClr val="0097A7"/>
+                    </a:solidFill>
+                    <a:latin typeface="M+ 1p light" panose="020B0402020203020204" pitchFamily="50" charset="-128"/>
+                    <a:ea typeface="M+ 1p light" panose="020B0402020203020204" pitchFamily="50" charset="-128"/>
+                    <a:cs typeface="M+ 1p light" panose="020B0402020203020204" pitchFamily="50" charset="-128"/>
+                  </a:rPr>
+                  <a:t>等長変換</a:t>
+                </a:r>
+                <a:r>
+                  <a:rPr lang="ja-JP" altLang="en-US" sz="1600" dirty="0">
+                    <a:latin typeface="M+ 1p light" panose="020B0402020203020204" pitchFamily="50" charset="-128"/>
+                    <a:ea typeface="M+ 1p light" panose="020B0402020203020204" pitchFamily="50" charset="-128"/>
+                    <a:cs typeface="M+ 1p light" panose="020B0402020203020204" pitchFamily="50" charset="-128"/>
+                  </a:rPr>
+                  <a:t>であるための必要十分条件は</a:t>
                 </a:r>
                 <a:endParaRPr lang="en-US" altLang="ja-JP" sz="1600" dirty="0">
                   <a:latin typeface="M+ 1p light" panose="020B0402020203020204" pitchFamily="50" charset="-128"/>
@@ -22306,6 +22466,9 @@
                 </a:r>
                 <a:r>
                   <a:rPr lang="ja-JP" altLang="en-US" sz="1600" dirty="0">
+                    <a:solidFill>
+                      <a:srgbClr val="EF8600"/>
+                    </a:solidFill>
                     <a:latin typeface="M+ 1p light" panose="020B0402020203020204" pitchFamily="50" charset="-128"/>
                     <a:ea typeface="M+ 1p light" panose="020B0402020203020204" pitchFamily="50" charset="-128"/>
                     <a:cs typeface="M+ 1p light" panose="020B0402020203020204" pitchFamily="50" charset="-128"/>
@@ -22313,6 +22476,9 @@
                   <a:t>対角行列との同型</a:t>
                 </a:r>
                 <a:endParaRPr lang="en-US" altLang="ja-JP" sz="1600" dirty="0">
+                  <a:solidFill>
+                    <a:srgbClr val="EF8600"/>
+                  </a:solidFill>
                   <a:latin typeface="M+ 1p light" panose="020B0402020203020204" pitchFamily="50" charset="-128"/>
                   <a:ea typeface="M+ 1p light" panose="020B0402020203020204" pitchFamily="50" charset="-128"/>
                   <a:cs typeface="M+ 1p light" panose="020B0402020203020204" pitchFamily="50" charset="-128"/>
@@ -22340,11 +22506,41 @@
                 </a:r>
                 <a:r>
                   <a:rPr lang="ja-JP" altLang="en-US" sz="1600" dirty="0">
-                    <a:latin typeface="M+ 1p light" panose="020B0402020203020204" pitchFamily="50" charset="-128"/>
-                    <a:ea typeface="M+ 1p light" panose="020B0402020203020204" pitchFamily="50" charset="-128"/>
-                    <a:cs typeface="M+ 1p light" panose="020B0402020203020204" pitchFamily="50" charset="-128"/>
-                  </a:rPr>
-                  <a:t>回転か対称変換だけである</a:t>
+                    <a:solidFill>
+                      <a:srgbClr val="0097A7"/>
+                    </a:solidFill>
+                    <a:latin typeface="M+ 1p light" panose="020B0402020203020204" pitchFamily="50" charset="-128"/>
+                    <a:ea typeface="M+ 1p light" panose="020B0402020203020204" pitchFamily="50" charset="-128"/>
+                    <a:cs typeface="M+ 1p light" panose="020B0402020203020204" pitchFamily="50" charset="-128"/>
+                  </a:rPr>
+                  <a:t>回転</a:t>
+                </a:r>
+                <a:r>
+                  <a:rPr lang="ja-JP" altLang="en-US" sz="1600" dirty="0">
+                    <a:latin typeface="M+ 1p light" panose="020B0402020203020204" pitchFamily="50" charset="-128"/>
+                    <a:ea typeface="M+ 1p light" panose="020B0402020203020204" pitchFamily="50" charset="-128"/>
+                    <a:cs typeface="M+ 1p light" panose="020B0402020203020204" pitchFamily="50" charset="-128"/>
+                  </a:rPr>
+                  <a:t>か</a:t>
+                </a:r>
+                <a:r>
+                  <a:rPr lang="ja-JP" altLang="en-US" sz="1600" dirty="0">
+                    <a:solidFill>
+                      <a:srgbClr val="0097A7"/>
+                    </a:solidFill>
+                    <a:latin typeface="M+ 1p light" panose="020B0402020203020204" pitchFamily="50" charset="-128"/>
+                    <a:ea typeface="M+ 1p light" panose="020B0402020203020204" pitchFamily="50" charset="-128"/>
+                    <a:cs typeface="M+ 1p light" panose="020B0402020203020204" pitchFamily="50" charset="-128"/>
+                  </a:rPr>
+                  <a:t>対称変換</a:t>
+                </a:r>
+                <a:r>
+                  <a:rPr lang="ja-JP" altLang="en-US" sz="1600" dirty="0">
+                    <a:latin typeface="M+ 1p light" panose="020B0402020203020204" pitchFamily="50" charset="-128"/>
+                    <a:ea typeface="M+ 1p light" panose="020B0402020203020204" pitchFamily="50" charset="-128"/>
+                    <a:cs typeface="M+ 1p light" panose="020B0402020203020204" pitchFamily="50" charset="-128"/>
+                  </a:rPr>
+                  <a:t>だけである</a:t>
                 </a:r>
                 <a:r>
                   <a:rPr lang="en-US" altLang="ja-JP" sz="1600" dirty="0">
@@ -22358,7 +22554,7 @@
             </p:txBody>
           </p:sp>
         </mc:Choice>
-        <mc:Fallback>
+        <mc:Fallback xmlns="">
           <p:sp>
             <p:nvSpPr>
               <p:cNvPr id="61" name="Google Shape;61;p14"/>
@@ -22866,7 +23062,7 @@
                 <a:ea typeface="M+ 1p" panose="020B0503020203020204" pitchFamily="50" charset="-128"/>
                 <a:cs typeface="M+ 1p" panose="020B0503020203020204" pitchFamily="50" charset="-128"/>
               </a:rPr>
-              <a:t>おまけの話</a:t>
+              <a:t>ユークリッド変換群の元の種類</a:t>
             </a:r>
             <a:endParaRPr dirty="0">
               <a:solidFill>
@@ -22882,8 +23078,8 @@
           </a:p>
         </p:txBody>
       </p:sp>
-      <mc:AlternateContent xmlns:mc="http://schemas.openxmlformats.org/markup-compatibility/2006">
-        <mc:Choice xmlns:a14="http://schemas.microsoft.com/office/drawing/2010/main" Requires="a14">
+      <mc:AlternateContent xmlns:mc="http://schemas.openxmlformats.org/markup-compatibility/2006" xmlns:a14="http://schemas.microsoft.com/office/drawing/2010/main">
+        <mc:Choice Requires="a14">
           <p:sp>
             <p:nvSpPr>
               <p:cNvPr id="61" name="Google Shape;61;p14"/>
@@ -22918,7 +23114,18 @@
                     <a:ea typeface="M+ 1p light" panose="020B0402020203020204" pitchFamily="50" charset="-128"/>
                     <a:cs typeface="M+ 1p light" panose="020B0402020203020204" pitchFamily="50" charset="-128"/>
                   </a:rPr>
-                  <a:t>元が対象</a:t>
+                  <a:t>元が</a:t>
+                </a:r>
+                <a:r>
+                  <a:rPr lang="ja-JP" altLang="en-US" sz="1600" dirty="0">
+                    <a:solidFill>
+                      <a:srgbClr val="0097A7"/>
+                    </a:solidFill>
+                    <a:latin typeface="M+ 1p light" panose="020B0402020203020204" pitchFamily="50" charset="-128"/>
+                    <a:ea typeface="M+ 1p light" panose="020B0402020203020204" pitchFamily="50" charset="-128"/>
+                    <a:cs typeface="M+ 1p light" panose="020B0402020203020204" pitchFamily="50" charset="-128"/>
+                  </a:rPr>
+                  <a:t>対称</a:t>
                 </a:r>
                 <a:r>
                   <a:rPr lang="en-US" altLang="ja-JP" sz="1600" dirty="0">
@@ -22930,6 +23137,9 @@
                 </a:r>
                 <a:r>
                   <a:rPr lang="ja-JP" altLang="en-US" sz="1600" dirty="0">
+                    <a:solidFill>
+                      <a:srgbClr val="0097A7"/>
+                    </a:solidFill>
                     <a:latin typeface="M+ 1p light" panose="020B0402020203020204" pitchFamily="50" charset="-128"/>
                     <a:ea typeface="M+ 1p light" panose="020B0402020203020204" pitchFamily="50" charset="-128"/>
                     <a:cs typeface="M+ 1p light" panose="020B0402020203020204" pitchFamily="50" charset="-128"/>
@@ -22946,11 +23156,22 @@
                 </a:r>
                 <a:r>
                   <a:rPr lang="ja-JP" altLang="en-US" sz="1600" dirty="0">
-                    <a:latin typeface="M+ 1p light" panose="020B0402020203020204" pitchFamily="50" charset="-128"/>
-                    <a:ea typeface="M+ 1p light" panose="020B0402020203020204" pitchFamily="50" charset="-128"/>
-                    <a:cs typeface="M+ 1p light" panose="020B0402020203020204" pitchFamily="50" charset="-128"/>
-                  </a:rPr>
-                  <a:t>平行移動の合成という事はわかったが</a:t>
+                    <a:solidFill>
+                      <a:srgbClr val="0097A7"/>
+                    </a:solidFill>
+                    <a:latin typeface="M+ 1p light" panose="020B0402020203020204" pitchFamily="50" charset="-128"/>
+                    <a:ea typeface="M+ 1p light" panose="020B0402020203020204" pitchFamily="50" charset="-128"/>
+                    <a:cs typeface="M+ 1p light" panose="020B0402020203020204" pitchFamily="50" charset="-128"/>
+                  </a:rPr>
+                  <a:t>平行移動</a:t>
+                </a:r>
+                <a:r>
+                  <a:rPr lang="ja-JP" altLang="en-US" sz="1600" dirty="0">
+                    <a:latin typeface="M+ 1p light" panose="020B0402020203020204" pitchFamily="50" charset="-128"/>
+                    <a:ea typeface="M+ 1p light" panose="020B0402020203020204" pitchFamily="50" charset="-128"/>
+                    <a:cs typeface="M+ 1p light" panose="020B0402020203020204" pitchFamily="50" charset="-128"/>
+                  </a:rPr>
+                  <a:t>の合成でも表現できることがわかったが</a:t>
                 </a:r>
                 <a:r>
                   <a:rPr lang="en-US" altLang="ja-JP" sz="1600" dirty="0">
@@ -22958,6 +23179,70 @@
                     <a:ea typeface="M+ 1p light" panose="020B0402020203020204" pitchFamily="50" charset="-128"/>
                     <a:cs typeface="M+ 1p light" panose="020B0402020203020204" pitchFamily="50" charset="-128"/>
                   </a:rPr>
+                  <a:t>,</a:t>
+                </a:r>
+                <a:r>
+                  <a:rPr lang="ja-JP" altLang="en-US" sz="1600" dirty="0">
+                    <a:latin typeface="M+ 1p light" panose="020B0402020203020204" pitchFamily="50" charset="-128"/>
+                    <a:ea typeface="M+ 1p light" panose="020B0402020203020204" pitchFamily="50" charset="-128"/>
+                    <a:cs typeface="M+ 1p light" panose="020B0402020203020204" pitchFamily="50" charset="-128"/>
+                  </a:rPr>
+                  <a:t>他の</a:t>
+                </a:r>
+                <a:r>
+                  <a:rPr lang="en-US" altLang="ja-JP" sz="1600" dirty="0">
+                    <a:latin typeface="M+ 1p light" panose="020B0402020203020204" pitchFamily="50" charset="-128"/>
+                    <a:ea typeface="M+ 1p light" panose="020B0402020203020204" pitchFamily="50" charset="-128"/>
+                    <a:cs typeface="M+ 1p light" panose="020B0402020203020204" pitchFamily="50" charset="-128"/>
+                  </a:rPr>
+                  <a:t>”</a:t>
+                </a:r>
+                <a:r>
+                  <a:rPr lang="ja-JP" altLang="en-US" sz="1600" dirty="0">
+                    <a:latin typeface="M+ 1p light" panose="020B0402020203020204" pitchFamily="50" charset="-128"/>
+                    <a:ea typeface="M+ 1p light" panose="020B0402020203020204" pitchFamily="50" charset="-128"/>
+                    <a:cs typeface="M+ 1p light" panose="020B0402020203020204" pitchFamily="50" charset="-128"/>
+                  </a:rPr>
+                  <a:t>未知なる変換</a:t>
+                </a:r>
+                <a:r>
+                  <a:rPr lang="en-US" altLang="ja-JP" sz="1600" dirty="0">
+                    <a:latin typeface="M+ 1p light" panose="020B0402020203020204" pitchFamily="50" charset="-128"/>
+                    <a:ea typeface="M+ 1p light" panose="020B0402020203020204" pitchFamily="50" charset="-128"/>
+                    <a:cs typeface="M+ 1p light" panose="020B0402020203020204" pitchFamily="50" charset="-128"/>
+                  </a:rPr>
+                  <a:t>”</a:t>
+                </a:r>
+                <a:r>
+                  <a:rPr lang="ja-JP" altLang="en-US" sz="1600" dirty="0">
+                    <a:latin typeface="M+ 1p light" panose="020B0402020203020204" pitchFamily="50" charset="-128"/>
+                    <a:ea typeface="M+ 1p light" panose="020B0402020203020204" pitchFamily="50" charset="-128"/>
+                    <a:cs typeface="M+ 1p light" panose="020B0402020203020204" pitchFamily="50" charset="-128"/>
+                  </a:rPr>
+                  <a:t>の合成で表せる可能性がすてきれない</a:t>
+                </a:r>
+                <a:r>
+                  <a:rPr lang="en-US" altLang="ja-JP" sz="1600" dirty="0">
+                    <a:latin typeface="M+ 1p light" panose="020B0402020203020204" pitchFamily="50" charset="-128"/>
+                    <a:ea typeface="M+ 1p light" panose="020B0402020203020204" pitchFamily="50" charset="-128"/>
+                    <a:cs typeface="M+ 1p light" panose="020B0402020203020204" pitchFamily="50" charset="-128"/>
+                  </a:rPr>
+                  <a:t>…</a:t>
+                </a:r>
+                <a:r>
+                  <a:rPr lang="ja-JP" altLang="en-US" sz="1600" dirty="0">
+                    <a:latin typeface="M+ 1p light" panose="020B0402020203020204" pitchFamily="50" charset="-128"/>
+                    <a:ea typeface="M+ 1p light" panose="020B0402020203020204" pitchFamily="50" charset="-128"/>
+                    <a:cs typeface="M+ 1p light" panose="020B0402020203020204" pitchFamily="50" charset="-128"/>
+                  </a:rPr>
+                  <a:t>しかし</a:t>
+                </a:r>
+                <a:r>
+                  <a:rPr lang="en-US" altLang="ja-JP" sz="1600" dirty="0">
+                    <a:latin typeface="M+ 1p light" panose="020B0402020203020204" pitchFamily="50" charset="-128"/>
+                    <a:ea typeface="M+ 1p light" panose="020B0402020203020204" pitchFamily="50" charset="-128"/>
+                    <a:cs typeface="M+ 1p light" panose="020B0402020203020204" pitchFamily="50" charset="-128"/>
+                  </a:rPr>
                   <a:t>, </a:t>
                 </a:r>
                 <a:r>
@@ -22968,21 +23253,14 @@
                   </a:rPr>
                   <a:t>実はさらに強い制約が存在する</a:t>
                 </a:r>
-                <a:endParaRPr lang="en-US" altLang="ja-JP" sz="1600" dirty="0">
-                  <a:latin typeface="M+ 1p light" panose="020B0402020203020204" pitchFamily="50" charset="-128"/>
-                  <a:ea typeface="M+ 1p light" panose="020B0402020203020204" pitchFamily="50" charset="-128"/>
-                  <a:cs typeface="M+ 1p light" panose="020B0402020203020204" pitchFamily="50" charset="-128"/>
-                </a:endParaRPr>
-              </a:p>
-              <a:p>
-                <a:pPr marL="0" lvl="0" indent="0">
-                  <a:buNone/>
-                </a:pPr>
-                <a:endParaRPr lang="en-US" altLang="ja-JP" sz="1600" dirty="0">
-                  <a:latin typeface="M+ 1p light" panose="020B0402020203020204" pitchFamily="50" charset="-128"/>
-                  <a:ea typeface="M+ 1p light" panose="020B0402020203020204" pitchFamily="50" charset="-128"/>
-                  <a:cs typeface="M+ 1p light" panose="020B0402020203020204" pitchFamily="50" charset="-128"/>
-                </a:endParaRPr>
+                <a:r>
+                  <a:rPr lang="en-US" altLang="ja-JP" sz="1600" dirty="0">
+                    <a:latin typeface="M+ 1p light" panose="020B0402020203020204" pitchFamily="50" charset="-128"/>
+                    <a:ea typeface="M+ 1p light" panose="020B0402020203020204" pitchFamily="50" charset="-128"/>
+                    <a:cs typeface="M+ 1p light" panose="020B0402020203020204" pitchFamily="50" charset="-128"/>
+                  </a:rPr>
+                  <a:t>.</a:t>
+                </a:r>
               </a:p>
               <a:p>
                 <a:pPr marL="0" lvl="0" indent="0">
@@ -23035,7 +23313,7 @@
                       </m:sup>
                     </m:sSup>
                     <m:r>
-                      <a:rPr lang="ja-JP" altLang="en-US" sz="1600" i="1">
+                      <a:rPr lang="ja-JP" altLang="en-US" sz="1600" i="1" smtClean="0">
                         <a:latin typeface="Cambria Math" panose="02040503050406030204" pitchFamily="18" charset="0"/>
                         <a:ea typeface="M+ 1p light" panose="020B0402020203020204" pitchFamily="50" charset="-128"/>
                         <a:cs typeface="M+ 1p light" panose="020B0402020203020204" pitchFamily="50" charset="-128"/>
@@ -23046,11 +23324,22 @@
                 </a14:m>
                 <a:r>
                   <a:rPr lang="ja-JP" altLang="en-US" sz="1600" dirty="0">
-                    <a:latin typeface="M+ 1p light" panose="020B0402020203020204" pitchFamily="50" charset="-128"/>
-                    <a:ea typeface="M+ 1p light" panose="020B0402020203020204" pitchFamily="50" charset="-128"/>
-                    <a:cs typeface="M+ 1p light" panose="020B0402020203020204" pitchFamily="50" charset="-128"/>
-                  </a:rPr>
-                  <a:t>等長変換は</a:t>
+                    <a:solidFill>
+                      <a:srgbClr val="0097A7"/>
+                    </a:solidFill>
+                    <a:latin typeface="M+ 1p light" panose="020B0402020203020204" pitchFamily="50" charset="-128"/>
+                    <a:ea typeface="M+ 1p light" panose="020B0402020203020204" pitchFamily="50" charset="-128"/>
+                    <a:cs typeface="M+ 1p light" panose="020B0402020203020204" pitchFamily="50" charset="-128"/>
+                  </a:rPr>
+                  <a:t>平面運動</a:t>
+                </a:r>
+                <a:r>
+                  <a:rPr lang="ja-JP" altLang="en-US" sz="1600" dirty="0">
+                    <a:latin typeface="M+ 1p light" panose="020B0402020203020204" pitchFamily="50" charset="-128"/>
+                    <a:ea typeface="M+ 1p light" panose="020B0402020203020204" pitchFamily="50" charset="-128"/>
+                    <a:cs typeface="M+ 1p light" panose="020B0402020203020204" pitchFamily="50" charset="-128"/>
+                  </a:rPr>
+                  <a:t>は</a:t>
                 </a:r>
                 <a:r>
                   <a:rPr lang="en-US" altLang="ja-JP" sz="1600" dirty="0">
@@ -23062,6 +23351,9 @@
                 </a:r>
                 <a:r>
                   <a:rPr lang="ja-JP" altLang="en-US" sz="1600" dirty="0">
+                    <a:solidFill>
+                      <a:srgbClr val="0097A7"/>
+                    </a:solidFill>
                     <a:latin typeface="M+ 1p light" panose="020B0402020203020204" pitchFamily="50" charset="-128"/>
                     <a:ea typeface="M+ 1p light" panose="020B0402020203020204" pitchFamily="50" charset="-128"/>
                     <a:cs typeface="M+ 1p light" panose="020B0402020203020204" pitchFamily="50" charset="-128"/>
@@ -23078,6 +23370,9 @@
                 </a:r>
                 <a:r>
                   <a:rPr lang="ja-JP" altLang="en-US" sz="1600" dirty="0">
+                    <a:solidFill>
+                      <a:srgbClr val="0097A7"/>
+                    </a:solidFill>
                     <a:latin typeface="M+ 1p light" panose="020B0402020203020204" pitchFamily="50" charset="-128"/>
                     <a:ea typeface="M+ 1p light" panose="020B0402020203020204" pitchFamily="50" charset="-128"/>
                     <a:cs typeface="M+ 1p light" panose="020B0402020203020204" pitchFamily="50" charset="-128"/>
@@ -23094,6 +23389,9 @@
                 </a:r>
                 <a:r>
                   <a:rPr lang="ja-JP" altLang="en-US" sz="1600" dirty="0">
+                    <a:solidFill>
+                      <a:srgbClr val="0097A7"/>
+                    </a:solidFill>
                     <a:latin typeface="M+ 1p light" panose="020B0402020203020204" pitchFamily="50" charset="-128"/>
                     <a:ea typeface="M+ 1p light" panose="020B0402020203020204" pitchFamily="50" charset="-128"/>
                     <a:cs typeface="M+ 1p light" panose="020B0402020203020204" pitchFamily="50" charset="-128"/>
@@ -23110,11 +23408,22 @@
                 </a:r>
                 <a:r>
                   <a:rPr lang="ja-JP" altLang="en-US" sz="1600" dirty="0">
-                    <a:latin typeface="M+ 1p light" panose="020B0402020203020204" pitchFamily="50" charset="-128"/>
-                    <a:ea typeface="M+ 1p light" panose="020B0402020203020204" pitchFamily="50" charset="-128"/>
-                    <a:cs typeface="M+ 1p light" panose="020B0402020203020204" pitchFamily="50" charset="-128"/>
-                  </a:rPr>
-                  <a:t>映進の四つだけである</a:t>
+                    <a:solidFill>
+                      <a:srgbClr val="0097A7"/>
+                    </a:solidFill>
+                    <a:latin typeface="M+ 1p light" panose="020B0402020203020204" pitchFamily="50" charset="-128"/>
+                    <a:ea typeface="M+ 1p light" panose="020B0402020203020204" pitchFamily="50" charset="-128"/>
+                    <a:cs typeface="M+ 1p light" panose="020B0402020203020204" pitchFamily="50" charset="-128"/>
+                  </a:rPr>
+                  <a:t>映進</a:t>
+                </a:r>
+                <a:r>
+                  <a:rPr lang="ja-JP" altLang="en-US" sz="1600" dirty="0">
+                    <a:latin typeface="M+ 1p light" panose="020B0402020203020204" pitchFamily="50" charset="-128"/>
+                    <a:ea typeface="M+ 1p light" panose="020B0402020203020204" pitchFamily="50" charset="-128"/>
+                    <a:cs typeface="M+ 1p light" panose="020B0402020203020204" pitchFamily="50" charset="-128"/>
+                  </a:rPr>
+                  <a:t>の四つだけである</a:t>
                 </a:r>
                 <a:r>
                   <a:rPr lang="en-US" altLang="ja-JP" sz="1600" dirty="0">
@@ -23190,7 +23499,26 @@
                     <a:ea typeface="M+ 1p light" panose="020B0402020203020204" pitchFamily="50" charset="-128"/>
                     <a:cs typeface="M+ 1p light" panose="020B0402020203020204" pitchFamily="50" charset="-128"/>
                   </a:rPr>
-                  <a:t>高々三個の対称変換の合成で表される</a:t>
+                  <a:t>高々三個の</a:t>
+                </a:r>
+                <a:r>
+                  <a:rPr lang="ja-JP" altLang="en-US" sz="1600" dirty="0">
+                    <a:solidFill>
+                      <a:srgbClr val="0097A7"/>
+                    </a:solidFill>
+                    <a:latin typeface="M+ 1p light" panose="020B0402020203020204" pitchFamily="50" charset="-128"/>
+                    <a:ea typeface="M+ 1p light" panose="020B0402020203020204" pitchFamily="50" charset="-128"/>
+                    <a:cs typeface="M+ 1p light" panose="020B0402020203020204" pitchFamily="50" charset="-128"/>
+                  </a:rPr>
+                  <a:t>対称変換</a:t>
+                </a:r>
+                <a:r>
+                  <a:rPr lang="ja-JP" altLang="en-US" sz="1600" dirty="0">
+                    <a:latin typeface="M+ 1p light" panose="020B0402020203020204" pitchFamily="50" charset="-128"/>
+                    <a:ea typeface="M+ 1p light" panose="020B0402020203020204" pitchFamily="50" charset="-128"/>
+                    <a:cs typeface="M+ 1p light" panose="020B0402020203020204" pitchFamily="50" charset="-128"/>
+                  </a:rPr>
+                  <a:t>の合成で表される</a:t>
                 </a:r>
                 <a:endParaRPr lang="en-US" altLang="ja-JP" sz="1600" dirty="0">
                   <a:latin typeface="M+ 1p light" panose="020B0402020203020204" pitchFamily="50" charset="-128"/>
@@ -23255,7 +23583,37 @@
                     <a:ea typeface="M+ 1p light" panose="020B0402020203020204" pitchFamily="50" charset="-128"/>
                     <a:cs typeface="M+ 1p light" panose="020B0402020203020204" pitchFamily="50" charset="-128"/>
                   </a:rPr>
-                  <a:t>二つの対称変換の合成は平行移動</a:t>
+                  <a:t>二つの</a:t>
+                </a:r>
+                <a:r>
+                  <a:rPr lang="ja-JP" altLang="en-US" sz="1600" dirty="0">
+                    <a:solidFill>
+                      <a:srgbClr val="0097A7"/>
+                    </a:solidFill>
+                    <a:latin typeface="M+ 1p light" panose="020B0402020203020204" pitchFamily="50" charset="-128"/>
+                    <a:ea typeface="M+ 1p light" panose="020B0402020203020204" pitchFamily="50" charset="-128"/>
+                    <a:cs typeface="M+ 1p light" panose="020B0402020203020204" pitchFamily="50" charset="-128"/>
+                  </a:rPr>
+                  <a:t>対称変換</a:t>
+                </a:r>
+                <a:r>
+                  <a:rPr lang="ja-JP" altLang="en-US" sz="1600" dirty="0">
+                    <a:latin typeface="M+ 1p light" panose="020B0402020203020204" pitchFamily="50" charset="-128"/>
+                    <a:ea typeface="M+ 1p light" panose="020B0402020203020204" pitchFamily="50" charset="-128"/>
+                    <a:cs typeface="M+ 1p light" panose="020B0402020203020204" pitchFamily="50" charset="-128"/>
+                  </a:rPr>
+                  <a:t>の合成は</a:t>
+                </a:r>
+                <a:r>
+                  <a:rPr lang="ja-JP" altLang="en-US" sz="1600" dirty="0">
+                    <a:solidFill>
+                      <a:srgbClr val="0097A7"/>
+                    </a:solidFill>
+                    <a:latin typeface="M+ 1p light" panose="020B0402020203020204" pitchFamily="50" charset="-128"/>
+                    <a:ea typeface="M+ 1p light" panose="020B0402020203020204" pitchFamily="50" charset="-128"/>
+                    <a:cs typeface="M+ 1p light" panose="020B0402020203020204" pitchFamily="50" charset="-128"/>
+                  </a:rPr>
+                  <a:t>平行移動</a:t>
                 </a:r>
                 <a:r>
                   <a:rPr lang="en-US" altLang="ja-JP" sz="1600" dirty="0">
@@ -23271,7 +23629,26 @@
                     <a:ea typeface="M+ 1p light" panose="020B0402020203020204" pitchFamily="50" charset="-128"/>
                     <a:cs typeface="M+ 1p light" panose="020B0402020203020204" pitchFamily="50" charset="-128"/>
                   </a:rPr>
-                  <a:t>もしくは回転移動である</a:t>
+                  <a:t>もしくは</a:t>
+                </a:r>
+                <a:r>
+                  <a:rPr lang="ja-JP" altLang="en-US" sz="1600" dirty="0">
+                    <a:solidFill>
+                      <a:srgbClr val="0097A7"/>
+                    </a:solidFill>
+                    <a:latin typeface="M+ 1p light" panose="020B0402020203020204" pitchFamily="50" charset="-128"/>
+                    <a:ea typeface="M+ 1p light" panose="020B0402020203020204" pitchFamily="50" charset="-128"/>
+                    <a:cs typeface="M+ 1p light" panose="020B0402020203020204" pitchFamily="50" charset="-128"/>
+                  </a:rPr>
+                  <a:t>回転移動</a:t>
+                </a:r>
+                <a:r>
+                  <a:rPr lang="ja-JP" altLang="en-US" sz="1600" dirty="0">
+                    <a:latin typeface="M+ 1p light" panose="020B0402020203020204" pitchFamily="50" charset="-128"/>
+                    <a:ea typeface="M+ 1p light" panose="020B0402020203020204" pitchFamily="50" charset="-128"/>
+                    <a:cs typeface="M+ 1p light" panose="020B0402020203020204" pitchFamily="50" charset="-128"/>
+                  </a:rPr>
+                  <a:t>である</a:t>
                 </a:r>
                 <a:endParaRPr lang="en-US" altLang="ja-JP" sz="1600" dirty="0">
                   <a:latin typeface="M+ 1p light" panose="020B0402020203020204" pitchFamily="50" charset="-128"/>
@@ -23297,7 +23674,37 @@
                     <a:ea typeface="M+ 1p light" panose="020B0402020203020204" pitchFamily="50" charset="-128"/>
                     <a:cs typeface="M+ 1p light" panose="020B0402020203020204" pitchFamily="50" charset="-128"/>
                   </a:rPr>
-                  <a:t>三つの対称変換の合成は対称変換</a:t>
+                  <a:t>三つの</a:t>
+                </a:r>
+                <a:r>
+                  <a:rPr lang="ja-JP" altLang="en-US" sz="1600" dirty="0">
+                    <a:solidFill>
+                      <a:srgbClr val="0097A7"/>
+                    </a:solidFill>
+                    <a:latin typeface="M+ 1p light" panose="020B0402020203020204" pitchFamily="50" charset="-128"/>
+                    <a:ea typeface="M+ 1p light" panose="020B0402020203020204" pitchFamily="50" charset="-128"/>
+                    <a:cs typeface="M+ 1p light" panose="020B0402020203020204" pitchFamily="50" charset="-128"/>
+                  </a:rPr>
+                  <a:t>対称変換</a:t>
+                </a:r>
+                <a:r>
+                  <a:rPr lang="ja-JP" altLang="en-US" sz="1600" dirty="0">
+                    <a:latin typeface="M+ 1p light" panose="020B0402020203020204" pitchFamily="50" charset="-128"/>
+                    <a:ea typeface="M+ 1p light" panose="020B0402020203020204" pitchFamily="50" charset="-128"/>
+                    <a:cs typeface="M+ 1p light" panose="020B0402020203020204" pitchFamily="50" charset="-128"/>
+                  </a:rPr>
+                  <a:t>の合成は</a:t>
+                </a:r>
+                <a:r>
+                  <a:rPr lang="ja-JP" altLang="en-US" sz="1600" dirty="0">
+                    <a:solidFill>
+                      <a:srgbClr val="0097A7"/>
+                    </a:solidFill>
+                    <a:latin typeface="M+ 1p light" panose="020B0402020203020204" pitchFamily="50" charset="-128"/>
+                    <a:ea typeface="M+ 1p light" panose="020B0402020203020204" pitchFamily="50" charset="-128"/>
+                    <a:cs typeface="M+ 1p light" panose="020B0402020203020204" pitchFamily="50" charset="-128"/>
+                  </a:rPr>
+                  <a:t>対称変換</a:t>
                 </a:r>
                 <a:r>
                   <a:rPr lang="en-US" altLang="ja-JP" sz="1600" dirty="0">
@@ -23313,7 +23720,26 @@
                     <a:ea typeface="M+ 1p light" panose="020B0402020203020204" pitchFamily="50" charset="-128"/>
                     <a:cs typeface="M+ 1p light" panose="020B0402020203020204" pitchFamily="50" charset="-128"/>
                   </a:rPr>
-                  <a:t>もしくは映進である</a:t>
+                  <a:t>もしくは</a:t>
+                </a:r>
+                <a:r>
+                  <a:rPr lang="ja-JP" altLang="en-US" sz="1600" dirty="0">
+                    <a:solidFill>
+                      <a:srgbClr val="0097A7"/>
+                    </a:solidFill>
+                    <a:latin typeface="M+ 1p light" panose="020B0402020203020204" pitchFamily="50" charset="-128"/>
+                    <a:ea typeface="M+ 1p light" panose="020B0402020203020204" pitchFamily="50" charset="-128"/>
+                    <a:cs typeface="M+ 1p light" panose="020B0402020203020204" pitchFamily="50" charset="-128"/>
+                  </a:rPr>
+                  <a:t>映進</a:t>
+                </a:r>
+                <a:r>
+                  <a:rPr lang="ja-JP" altLang="en-US" sz="1600" dirty="0">
+                    <a:latin typeface="M+ 1p light" panose="020B0402020203020204" pitchFamily="50" charset="-128"/>
+                    <a:ea typeface="M+ 1p light" panose="020B0402020203020204" pitchFamily="50" charset="-128"/>
+                    <a:cs typeface="M+ 1p light" panose="020B0402020203020204" pitchFamily="50" charset="-128"/>
+                  </a:rPr>
+                  <a:t>である</a:t>
                 </a:r>
                 <a:r>
                   <a:rPr lang="en-US" altLang="ja-JP" sz="1600" dirty="0">
@@ -23347,7 +23773,7 @@
             </p:txBody>
           </p:sp>
         </mc:Choice>
-        <mc:Fallback>
+        <mc:Fallback xmlns="">
           <p:sp>
             <p:nvSpPr>
               <p:cNvPr id="61" name="Google Shape;61;p14"/>
@@ -23660,8 +24086,8 @@
             </a:extLst>
           </p:spPr>
         </p:pic>
-        <mc:AlternateContent xmlns:mc="http://schemas.openxmlformats.org/markup-compatibility/2006">
-          <mc:Choice xmlns:a14="http://schemas.microsoft.com/office/drawing/2010/main" Requires="a14">
+        <mc:AlternateContent xmlns:mc="http://schemas.openxmlformats.org/markup-compatibility/2006" xmlns:a14="http://schemas.microsoft.com/office/drawing/2010/main">
+          <mc:Choice Requires="a14">
             <p:sp>
               <p:nvSpPr>
                 <p:cNvPr id="4" name="吹き出し: 四角形 3">
@@ -24534,7 +24960,7 @@
               </p:txBody>
             </p:sp>
           </mc:Choice>
-          <mc:Fallback>
+          <mc:Fallback xmlns="">
             <p:sp>
               <p:nvSpPr>
                 <p:cNvPr id="4" name="吹き出し: 四角形 3">
@@ -24680,8 +25106,8 @@
           </a:p>
         </p:txBody>
       </p:sp>
-      <mc:AlternateContent xmlns:mc="http://schemas.openxmlformats.org/markup-compatibility/2006">
-        <mc:Choice xmlns:a14="http://schemas.microsoft.com/office/drawing/2010/main" Requires="a14">
+      <mc:AlternateContent xmlns:mc="http://schemas.openxmlformats.org/markup-compatibility/2006" xmlns:a14="http://schemas.microsoft.com/office/drawing/2010/main">
+        <mc:Choice Requires="a14">
           <p:sp>
             <p:nvSpPr>
               <p:cNvPr id="61" name="Google Shape;61;p14"/>
@@ -24981,9 +25407,263 @@
                       </a:rPr>
                       <m:t>𝐴</m:t>
                     </m:r>
+                    <m:r>
+                      <a:rPr lang="en-US" altLang="ja-JP" sz="1600" b="0" i="0" smtClean="0">
+                        <a:latin typeface="Cambria Math" panose="02040503050406030204" pitchFamily="18" charset="0"/>
+                        <a:ea typeface="M+ 1p light" panose="020B0402020203020204" pitchFamily="50" charset="-128"/>
+                        <a:cs typeface="M+ 1p light" panose="020B0402020203020204" pitchFamily="50" charset="-128"/>
+                      </a:rPr>
+                      <m:t>  </m:t>
+                    </m:r>
                   </m:oMath>
                 </a14:m>
-                <a:endParaRPr lang="en-US" altLang="ja-JP" sz="1600" dirty="0">
+                <a:endParaRPr lang="en-US" altLang="ja-JP" sz="1600" b="0" i="0" dirty="0">
+                  <a:latin typeface="Cambria Math" panose="02040503050406030204" pitchFamily="18" charset="0"/>
+                  <a:ea typeface="M+ 1p light" panose="020B0402020203020204" pitchFamily="50" charset="-128"/>
+                  <a:cs typeface="M+ 1p light" panose="020B0402020203020204" pitchFamily="50" charset="-128"/>
+                </a:endParaRPr>
+              </a:p>
+              <a:p>
+                <a:pPr marL="285750" lvl="0" indent="-285750">
+                  <a:buFontTx/>
+                  <a:buChar char="-"/>
+                </a:pPr>
+                <a14:m>
+                  <m:oMath xmlns:m="http://schemas.openxmlformats.org/officeDocument/2006/math">
+                    <m:r>
+                      <m:rPr>
+                        <m:sty m:val="p"/>
+                      </m:rPr>
+                      <a:rPr lang="en-US" altLang="ja-JP" sz="1200" b="0" i="0" smtClean="0">
+                        <a:latin typeface="Cambria Math" panose="02040503050406030204" pitchFamily="18" charset="0"/>
+                        <a:ea typeface="M+ 1p light" panose="020B0402020203020204" pitchFamily="50" charset="-128"/>
+                        <a:cs typeface="M+ 1p light" panose="020B0402020203020204" pitchFamily="50" charset="-128"/>
+                      </a:rPr>
+                      <m:t>c</m:t>
+                    </m:r>
+                    <m:r>
+                      <a:rPr lang="en-US" altLang="ja-JP" sz="1200" b="0" i="0" smtClean="0">
+                        <a:latin typeface="Cambria Math" panose="02040503050406030204" pitchFamily="18" charset="0"/>
+                        <a:ea typeface="M+ 1p light" panose="020B0402020203020204" pitchFamily="50" charset="-128"/>
+                        <a:cs typeface="M+ 1p light" panose="020B0402020203020204" pitchFamily="50" charset="-128"/>
+                      </a:rPr>
+                      <m:t>.</m:t>
+                    </m:r>
+                    <m:r>
+                      <m:rPr>
+                        <m:sty m:val="p"/>
+                      </m:rPr>
+                      <a:rPr lang="en-US" altLang="ja-JP" sz="1200" b="0" i="0" smtClean="0">
+                        <a:latin typeface="Cambria Math" panose="02040503050406030204" pitchFamily="18" charset="0"/>
+                        <a:ea typeface="M+ 1p light" panose="020B0402020203020204" pitchFamily="50" charset="-128"/>
+                        <a:cs typeface="M+ 1p light" panose="020B0402020203020204" pitchFamily="50" charset="-128"/>
+                      </a:rPr>
+                      <m:t>f</m:t>
+                    </m:r>
+                    <m:r>
+                      <a:rPr lang="en-US" altLang="ja-JP" sz="1200" b="0" i="0" smtClean="0">
+                        <a:latin typeface="Cambria Math" panose="02040503050406030204" pitchFamily="18" charset="0"/>
+                        <a:ea typeface="M+ 1p light" panose="020B0402020203020204" pitchFamily="50" charset="-128"/>
+                        <a:cs typeface="M+ 1p light" panose="020B0402020203020204" pitchFamily="50" charset="-128"/>
+                      </a:rPr>
+                      <m:t>. </m:t>
+                    </m:r>
+                    <m:r>
+                      <a:rPr lang="ja-JP" altLang="en-US" sz="1200" i="1">
+                        <a:latin typeface="Cambria Math" panose="02040503050406030204" pitchFamily="18" charset="0"/>
+                        <a:ea typeface="M+ 1p light" panose="020B0402020203020204" pitchFamily="50" charset="-128"/>
+                        <a:cs typeface="M+ 1p light" panose="020B0402020203020204" pitchFamily="50" charset="-128"/>
+                      </a:rPr>
+                      <m:t>作用</m:t>
+                    </m:r>
+                  </m:oMath>
+                </a14:m>
+                <a:r>
+                  <a:rPr lang="ja-JP" altLang="en-US" sz="1200" dirty="0">
+                    <a:latin typeface="M+ 1p light" panose="020B0402020203020204" pitchFamily="50" charset="-128"/>
+                    <a:ea typeface="M+ 1p light" panose="020B0402020203020204" pitchFamily="50" charset="-128"/>
+                    <a:cs typeface="M+ 1p light" panose="020B0402020203020204" pitchFamily="50" charset="-128"/>
+                  </a:rPr>
+                  <a:t>は演算</a:t>
+                </a:r>
+                <a14:m>
+                  <m:oMath xmlns:m="http://schemas.openxmlformats.org/officeDocument/2006/math">
+                    <m:r>
+                      <a:rPr lang="en-US" altLang="ja-JP" sz="1200" b="0" i="1" smtClean="0">
+                        <a:latin typeface="Cambria Math" panose="02040503050406030204" pitchFamily="18" charset="0"/>
+                        <a:ea typeface="M+ 1p light" panose="020B0402020203020204" pitchFamily="50" charset="-128"/>
+                        <a:cs typeface="M+ 1p light" panose="020B0402020203020204" pitchFamily="50" charset="-128"/>
+                      </a:rPr>
+                      <m:t>∙:</m:t>
+                    </m:r>
+                    <m:r>
+                      <a:rPr lang="en-US" altLang="ja-JP" sz="1200" b="0" i="1" smtClean="0">
+                        <a:latin typeface="Cambria Math" panose="02040503050406030204" pitchFamily="18" charset="0"/>
+                        <a:ea typeface="M+ 1p light" panose="020B0402020203020204" pitchFamily="50" charset="-128"/>
+                        <a:cs typeface="M+ 1p light" panose="020B0402020203020204" pitchFamily="50" charset="-128"/>
+                      </a:rPr>
+                      <m:t>𝐺</m:t>
+                    </m:r>
+                    <m:r>
+                      <a:rPr lang="en-US" altLang="ja-JP" sz="1200" b="0" i="1" smtClean="0">
+                        <a:latin typeface="Cambria Math" panose="02040503050406030204" pitchFamily="18" charset="0"/>
+                        <a:ea typeface="M+ 1p light" panose="020B0402020203020204" pitchFamily="50" charset="-128"/>
+                        <a:cs typeface="M+ 1p light" panose="020B0402020203020204" pitchFamily="50" charset="-128"/>
+                      </a:rPr>
+                      <m:t>→</m:t>
+                    </m:r>
+                    <m:r>
+                      <a:rPr lang="en-US" altLang="ja-JP" sz="1200" b="0" i="1" smtClean="0">
+                        <a:latin typeface="Cambria Math" panose="02040503050406030204" pitchFamily="18" charset="0"/>
+                        <a:ea typeface="M+ 1p light" panose="020B0402020203020204" pitchFamily="50" charset="-128"/>
+                        <a:cs typeface="M+ 1p light" panose="020B0402020203020204" pitchFamily="50" charset="-128"/>
+                      </a:rPr>
+                      <m:t>𝐴𝑢𝑡</m:t>
+                    </m:r>
+                    <m:r>
+                      <a:rPr lang="en-US" altLang="ja-JP" sz="1200" b="0" i="1" smtClean="0">
+                        <a:latin typeface="Cambria Math" panose="02040503050406030204" pitchFamily="18" charset="0"/>
+                        <a:ea typeface="M+ 1p light" panose="020B0402020203020204" pitchFamily="50" charset="-128"/>
+                        <a:cs typeface="M+ 1p light" panose="020B0402020203020204" pitchFamily="50" charset="-128"/>
+                      </a:rPr>
+                      <m:t> </m:t>
+                    </m:r>
+                    <m:r>
+                      <a:rPr lang="en-US" altLang="ja-JP" sz="1200" b="0" i="1" smtClean="0">
+                        <a:latin typeface="Cambria Math" panose="02040503050406030204" pitchFamily="18" charset="0"/>
+                        <a:ea typeface="M+ 1p light" panose="020B0402020203020204" pitchFamily="50" charset="-128"/>
+                        <a:cs typeface="M+ 1p light" panose="020B0402020203020204" pitchFamily="50" charset="-128"/>
+                      </a:rPr>
+                      <m:t>𝐴</m:t>
+                    </m:r>
+                    <m:r>
+                      <a:rPr lang="en-US" altLang="ja-JP" sz="1200" b="0" i="1" smtClean="0">
+                        <a:latin typeface="Cambria Math" panose="02040503050406030204" pitchFamily="18" charset="0"/>
+                        <a:ea typeface="M+ 1p light" panose="020B0402020203020204" pitchFamily="50" charset="-128"/>
+                        <a:cs typeface="M+ 1p light" panose="020B0402020203020204" pitchFamily="50" charset="-128"/>
+                      </a:rPr>
+                      <m:t>, </m:t>
+                    </m:r>
+                    <m:r>
+                      <a:rPr lang="en-US" altLang="ja-JP" sz="1200" b="0" i="1" smtClean="0">
+                        <a:latin typeface="Cambria Math" panose="02040503050406030204" pitchFamily="18" charset="0"/>
+                        <a:ea typeface="M+ 1p light" panose="020B0402020203020204" pitchFamily="50" charset="-128"/>
+                        <a:cs typeface="M+ 1p light" panose="020B0402020203020204" pitchFamily="50" charset="-128"/>
+                      </a:rPr>
+                      <m:t>𝑓</m:t>
+                    </m:r>
+                    <m:d>
+                      <m:dPr>
+                        <m:ctrlPr>
+                          <a:rPr lang="en-US" altLang="ja-JP" sz="1200" b="0" i="1" smtClean="0">
+                            <a:latin typeface="Cambria Math" panose="02040503050406030204" pitchFamily="18" charset="0"/>
+                            <a:ea typeface="M+ 1p light" panose="020B0402020203020204" pitchFamily="50" charset="-128"/>
+                            <a:cs typeface="M+ 1p light" panose="020B0402020203020204" pitchFamily="50" charset="-128"/>
+                          </a:rPr>
+                        </m:ctrlPr>
+                      </m:dPr>
+                      <m:e>
+                        <m:r>
+                          <a:rPr lang="en-US" altLang="ja-JP" sz="1200" b="0" i="1" smtClean="0">
+                            <a:latin typeface="Cambria Math" panose="02040503050406030204" pitchFamily="18" charset="0"/>
+                            <a:ea typeface="M+ 1p light" panose="020B0402020203020204" pitchFamily="50" charset="-128"/>
+                            <a:cs typeface="M+ 1p light" panose="020B0402020203020204" pitchFamily="50" charset="-128"/>
+                          </a:rPr>
+                          <m:t>𝑔</m:t>
+                        </m:r>
+                      </m:e>
+                    </m:d>
+                    <m:r>
+                      <a:rPr lang="en-US" altLang="ja-JP" sz="1200" b="0" i="1" smtClean="0">
+                        <a:latin typeface="Cambria Math" panose="02040503050406030204" pitchFamily="18" charset="0"/>
+                        <a:ea typeface="M+ 1p light" panose="020B0402020203020204" pitchFamily="50" charset="-128"/>
+                        <a:cs typeface="M+ 1p light" panose="020B0402020203020204" pitchFamily="50" charset="-128"/>
+                      </a:rPr>
+                      <m:t>(</m:t>
+                    </m:r>
+                    <m:r>
+                      <a:rPr lang="en-US" altLang="ja-JP" sz="1200" b="0" i="1" smtClean="0">
+                        <a:latin typeface="Cambria Math" panose="02040503050406030204" pitchFamily="18" charset="0"/>
+                        <a:ea typeface="M+ 1p light" panose="020B0402020203020204" pitchFamily="50" charset="-128"/>
+                        <a:cs typeface="M+ 1p light" panose="020B0402020203020204" pitchFamily="50" charset="-128"/>
+                      </a:rPr>
+                      <m:t>𝑎</m:t>
+                    </m:r>
+                    <m:r>
+                      <a:rPr lang="en-US" altLang="ja-JP" sz="1200" b="0" i="1" smtClean="0">
+                        <a:latin typeface="Cambria Math" panose="02040503050406030204" pitchFamily="18" charset="0"/>
+                        <a:ea typeface="M+ 1p light" panose="020B0402020203020204" pitchFamily="50" charset="-128"/>
+                        <a:cs typeface="M+ 1p light" panose="020B0402020203020204" pitchFamily="50" charset="-128"/>
+                      </a:rPr>
+                      <m:t>)</m:t>
+                    </m:r>
+                    <m:r>
+                      <a:rPr lang="ja-JP" altLang="en-US" sz="1200" i="1">
+                        <a:latin typeface="Cambria Math" panose="02040503050406030204" pitchFamily="18" charset="0"/>
+                        <a:ea typeface="M+ 1p light" panose="020B0402020203020204" pitchFamily="50" charset="-128"/>
+                        <a:cs typeface="M+ 1p light" panose="020B0402020203020204" pitchFamily="50" charset="-128"/>
+                      </a:rPr>
+                      <m:t>は</m:t>
+                    </m:r>
+                    <m:r>
+                      <a:rPr lang="en-US" altLang="ja-JP" sz="1200" b="0" i="1" smtClean="0">
+                        <a:latin typeface="Cambria Math" panose="02040503050406030204" pitchFamily="18" charset="0"/>
+                        <a:ea typeface="M+ 1p light" panose="020B0402020203020204" pitchFamily="50" charset="-128"/>
+                        <a:cs typeface="M+ 1p light" panose="020B0402020203020204" pitchFamily="50" charset="-128"/>
+                      </a:rPr>
+                      <m:t>(</m:t>
+                    </m:r>
+                    <m:r>
+                      <a:rPr lang="en-US" altLang="ja-JP" sz="1200" b="0" i="1" smtClean="0">
+                        <a:latin typeface="Cambria Math" panose="02040503050406030204" pitchFamily="18" charset="0"/>
+                        <a:ea typeface="M+ 1p light" panose="020B0402020203020204" pitchFamily="50" charset="-128"/>
+                        <a:cs typeface="M+ 1p light" panose="020B0402020203020204" pitchFamily="50" charset="-128"/>
+                      </a:rPr>
+                      <m:t>𝑔</m:t>
+                    </m:r>
+                    <m:r>
+                      <a:rPr lang="ja-JP" altLang="en-US" sz="1200" i="1">
+                        <a:latin typeface="Cambria Math" panose="02040503050406030204" pitchFamily="18" charset="0"/>
+                        <a:ea typeface="M+ 1p light" panose="020B0402020203020204" pitchFamily="50" charset="-128"/>
+                        <a:cs typeface="M+ 1p light" panose="020B0402020203020204" pitchFamily="50" charset="-128"/>
+                      </a:rPr>
+                      <m:t>と</m:t>
+                    </m:r>
+                    <m:r>
+                      <a:rPr lang="en-US" altLang="ja-JP" sz="1200" b="0" i="1" smtClean="0">
+                        <a:latin typeface="Cambria Math" panose="02040503050406030204" pitchFamily="18" charset="0"/>
+                        <a:ea typeface="M+ 1p light" panose="020B0402020203020204" pitchFamily="50" charset="-128"/>
+                        <a:cs typeface="M+ 1p light" panose="020B0402020203020204" pitchFamily="50" charset="-128"/>
+                      </a:rPr>
+                      <m:t>𝑎</m:t>
+                    </m:r>
+                    <m:r>
+                      <a:rPr lang="ja-JP" altLang="en-US" sz="1200" i="1">
+                        <a:latin typeface="Cambria Math" panose="02040503050406030204" pitchFamily="18" charset="0"/>
+                        <a:ea typeface="M+ 1p light" panose="020B0402020203020204" pitchFamily="50" charset="-128"/>
+                        <a:cs typeface="M+ 1p light" panose="020B0402020203020204" pitchFamily="50" charset="-128"/>
+                      </a:rPr>
+                      <m:t>の</m:t>
+                    </m:r>
+                    <m:r>
+                      <a:rPr lang="ja-JP" altLang="en-US" sz="1200" i="1" smtClean="0">
+                        <a:latin typeface="Cambria Math" panose="02040503050406030204" pitchFamily="18" charset="0"/>
+                        <a:ea typeface="M+ 1p light" panose="020B0402020203020204" pitchFamily="50" charset="-128"/>
+                        <a:cs typeface="M+ 1p light" panose="020B0402020203020204" pitchFamily="50" charset="-128"/>
+                      </a:rPr>
+                      <m:t>作用</m:t>
+                    </m:r>
+                    <m:r>
+                      <a:rPr lang="en-US" altLang="ja-JP" sz="1200" b="0" i="1" smtClean="0">
+                        <a:latin typeface="Cambria Math" panose="02040503050406030204" pitchFamily="18" charset="0"/>
+                        <a:ea typeface="M+ 1p light" panose="020B0402020203020204" pitchFamily="50" charset="-128"/>
+                        <a:cs typeface="M+ 1p light" panose="020B0402020203020204" pitchFamily="50" charset="-128"/>
+                      </a:rPr>
+                      <m:t>)</m:t>
+                    </m:r>
+                  </m:oMath>
+                </a14:m>
+                <a:endParaRPr lang="en-US" altLang="ja-JP" sz="1200" dirty="0">
                   <a:latin typeface="M+ 1p light" panose="020B0402020203020204" pitchFamily="50" charset="-128"/>
                   <a:ea typeface="M+ 1p light" panose="020B0402020203020204" pitchFamily="50" charset="-128"/>
                   <a:cs typeface="M+ 1p light" panose="020B0402020203020204" pitchFamily="50" charset="-128"/>
@@ -25847,7 +26527,7 @@
             </p:txBody>
           </p:sp>
         </mc:Choice>
-        <mc:Fallback>
+        <mc:Fallback xmlns="">
           <p:sp>
             <p:nvSpPr>
               <p:cNvPr id="61" name="Google Shape;61;p14"/>
@@ -27000,7 +27680,7 @@
                 <a:ea typeface="M+ 1p" panose="020B0503020203020204" pitchFamily="50" charset="-128"/>
                 <a:cs typeface="M+ 1p" panose="020B0503020203020204" pitchFamily="50" charset="-128"/>
               </a:rPr>
-              <a:t>平面幾何の諸々をモデルで示してみよう</a:t>
+              <a:t>平面幾何の定理をモデルで示してみよう</a:t>
             </a:r>
             <a:endParaRPr dirty="0">
               <a:solidFill>
@@ -27046,11 +27726,22 @@
             </a:pPr>
             <a:r>
               <a:rPr lang="ja-JP" altLang="en-US" sz="1600" dirty="0">
-                <a:latin typeface="M+ 1p light" panose="020B0402020203020204" pitchFamily="50" charset="-128"/>
-                <a:ea typeface="M+ 1p light" panose="020B0402020203020204" pitchFamily="50" charset="-128"/>
-                <a:cs typeface="M+ 1p light" panose="020B0402020203020204" pitchFamily="50" charset="-128"/>
-              </a:rPr>
-              <a:t>ユークリッドモデルの空間</a:t>
+                <a:solidFill>
+                  <a:srgbClr val="0097A7"/>
+                </a:solidFill>
+                <a:latin typeface="M+ 1p light" panose="020B0402020203020204" pitchFamily="50" charset="-128"/>
+                <a:ea typeface="M+ 1p light" panose="020B0402020203020204" pitchFamily="50" charset="-128"/>
+                <a:cs typeface="M+ 1p light" panose="020B0402020203020204" pitchFamily="50" charset="-128"/>
+              </a:rPr>
+              <a:t>ユークリッドモデル</a:t>
+            </a:r>
+            <a:r>
+              <a:rPr lang="ja-JP" altLang="en-US" sz="1600" dirty="0">
+                <a:latin typeface="M+ 1p light" panose="020B0402020203020204" pitchFamily="50" charset="-128"/>
+                <a:ea typeface="M+ 1p light" panose="020B0402020203020204" pitchFamily="50" charset="-128"/>
+                <a:cs typeface="M+ 1p light" panose="020B0402020203020204" pitchFamily="50" charset="-128"/>
+              </a:rPr>
+              <a:t>の空間</a:t>
             </a:r>
             <a:r>
               <a:rPr lang="en-US" altLang="ja-JP" sz="1600" dirty="0">
@@ -27062,6 +27753,9 @@
             </a:r>
             <a:r>
               <a:rPr lang="ja-JP" altLang="en-US" sz="1600" dirty="0">
+                <a:solidFill>
+                  <a:srgbClr val="0097A7"/>
+                </a:solidFill>
                 <a:latin typeface="M+ 1p light" panose="020B0402020203020204" pitchFamily="50" charset="-128"/>
                 <a:ea typeface="M+ 1p light" panose="020B0402020203020204" pitchFamily="50" charset="-128"/>
                 <a:cs typeface="M+ 1p light" panose="020B0402020203020204" pitchFamily="50" charset="-128"/>
@@ -27094,6 +27788,9 @@
             </a:r>
             <a:r>
               <a:rPr lang="ja-JP" altLang="en-US" sz="1600" dirty="0">
+                <a:solidFill>
+                  <a:srgbClr val="0097A7"/>
+                </a:solidFill>
                 <a:latin typeface="M+ 1p light" panose="020B0402020203020204" pitchFamily="50" charset="-128"/>
                 <a:ea typeface="M+ 1p light" panose="020B0402020203020204" pitchFamily="50" charset="-128"/>
                 <a:cs typeface="M+ 1p light" panose="020B0402020203020204" pitchFamily="50" charset="-128"/>
@@ -27274,6 +27971,206 @@
                 <a:cs typeface="M+ 1p light" panose="020B0402020203020204" pitchFamily="50" charset="-128"/>
               </a:rPr>
               <a:t>平面幾何の諸定理を説明してみよう</a:t>
+            </a:r>
+            <a:endParaRPr lang="en-US" altLang="ja-JP" sz="1600" dirty="0">
+              <a:latin typeface="M+ 1p light" panose="020B0402020203020204" pitchFamily="50" charset="-128"/>
+              <a:ea typeface="M+ 1p light" panose="020B0402020203020204" pitchFamily="50" charset="-128"/>
+              <a:cs typeface="M+ 1p light" panose="020B0402020203020204" pitchFamily="50" charset="-128"/>
+            </a:endParaRPr>
+          </a:p>
+          <a:p>
+            <a:pPr marL="0" lvl="0" indent="0">
+              <a:buNone/>
+            </a:pPr>
+            <a:endParaRPr lang="en-US" altLang="ja-JP" sz="1600" dirty="0">
+              <a:latin typeface="M+ 1p light" panose="020B0402020203020204" pitchFamily="50" charset="-128"/>
+              <a:ea typeface="M+ 1p light" panose="020B0402020203020204" pitchFamily="50" charset="-128"/>
+              <a:cs typeface="M+ 1p light" panose="020B0402020203020204" pitchFamily="50" charset="-128"/>
+            </a:endParaRPr>
+          </a:p>
+          <a:p>
+            <a:pPr marL="0" lvl="0" indent="0">
+              <a:buNone/>
+            </a:pPr>
+            <a:r>
+              <a:rPr lang="ja-JP" altLang="en-US" sz="1600" dirty="0">
+                <a:latin typeface="M+ 1p light" panose="020B0402020203020204" pitchFamily="50" charset="-128"/>
+                <a:ea typeface="M+ 1p light" panose="020B0402020203020204" pitchFamily="50" charset="-128"/>
+                <a:cs typeface="M+ 1p light" panose="020B0402020203020204" pitchFamily="50" charset="-128"/>
+              </a:rPr>
+              <a:t>目標</a:t>
+            </a:r>
+            <a:r>
+              <a:rPr lang="en-US" altLang="ja-JP" sz="1600" dirty="0">
+                <a:latin typeface="M+ 1p light" panose="020B0402020203020204" pitchFamily="50" charset="-128"/>
+                <a:ea typeface="M+ 1p light" panose="020B0402020203020204" pitchFamily="50" charset="-128"/>
+                <a:cs typeface="M+ 1p light" panose="020B0402020203020204" pitchFamily="50" charset="-128"/>
+              </a:rPr>
+              <a:t>: </a:t>
+            </a:r>
+            <a:r>
+              <a:rPr lang="ja-JP" altLang="en-US" sz="1600" dirty="0">
+                <a:latin typeface="M+ 1p light" panose="020B0402020203020204" pitchFamily="50" charset="-128"/>
+                <a:ea typeface="M+ 1p light" panose="020B0402020203020204" pitchFamily="50" charset="-128"/>
+                <a:cs typeface="M+ 1p light" panose="020B0402020203020204" pitchFamily="50" charset="-128"/>
+              </a:rPr>
+              <a:t>三角形の合同条件を求めてみる</a:t>
+            </a:r>
+            <a:endParaRPr lang="en-US" altLang="ja-JP" sz="1600" dirty="0">
+              <a:latin typeface="M+ 1p light" panose="020B0402020203020204" pitchFamily="50" charset="-128"/>
+              <a:ea typeface="M+ 1p light" panose="020B0402020203020204" pitchFamily="50" charset="-128"/>
+              <a:cs typeface="M+ 1p light" panose="020B0402020203020204" pitchFamily="50" charset="-128"/>
+            </a:endParaRPr>
+          </a:p>
+          <a:p>
+            <a:pPr marL="0" lvl="0" indent="0">
+              <a:buNone/>
+            </a:pPr>
+            <a:r>
+              <a:rPr lang="ja-JP" altLang="en-US" sz="1600" dirty="0">
+                <a:latin typeface="M+ 1p light" panose="020B0402020203020204" pitchFamily="50" charset="-128"/>
+                <a:ea typeface="M+ 1p light" panose="020B0402020203020204" pitchFamily="50" charset="-128"/>
+                <a:cs typeface="M+ 1p light" panose="020B0402020203020204" pitchFamily="50" charset="-128"/>
+              </a:rPr>
+              <a:t>方針</a:t>
+            </a:r>
+            <a:r>
+              <a:rPr lang="en-US" altLang="ja-JP" sz="1600" dirty="0">
+                <a:latin typeface="M+ 1p light" panose="020B0402020203020204" pitchFamily="50" charset="-128"/>
+                <a:ea typeface="M+ 1p light" panose="020B0402020203020204" pitchFamily="50" charset="-128"/>
+                <a:cs typeface="M+ 1p light" panose="020B0402020203020204" pitchFamily="50" charset="-128"/>
+              </a:rPr>
+              <a:t>:</a:t>
+            </a:r>
+          </a:p>
+          <a:p>
+            <a:pPr marL="342900" lvl="0">
+              <a:buAutoNum type="arabicPeriod"/>
+            </a:pPr>
+            <a:r>
+              <a:rPr lang="ja-JP" altLang="en-US" sz="1600" dirty="0">
+                <a:latin typeface="M+ 1p light" panose="020B0402020203020204" pitchFamily="50" charset="-128"/>
+                <a:ea typeface="M+ 1p light" panose="020B0402020203020204" pitchFamily="50" charset="-128"/>
+                <a:cs typeface="M+ 1p light" panose="020B0402020203020204" pitchFamily="50" charset="-128"/>
+              </a:rPr>
+              <a:t>三角形の定義と</a:t>
+            </a:r>
+            <a:r>
+              <a:rPr lang="en-US" altLang="ja-JP" sz="1600" dirty="0">
+                <a:latin typeface="M+ 1p light" panose="020B0402020203020204" pitchFamily="50" charset="-128"/>
+                <a:ea typeface="M+ 1p light" panose="020B0402020203020204" pitchFamily="50" charset="-128"/>
+                <a:cs typeface="M+ 1p light" panose="020B0402020203020204" pitchFamily="50" charset="-128"/>
+              </a:rPr>
+              <a:t>, </a:t>
+            </a:r>
+            <a:r>
+              <a:rPr lang="ja-JP" altLang="en-US" sz="1600" dirty="0">
+                <a:latin typeface="M+ 1p light" panose="020B0402020203020204" pitchFamily="50" charset="-128"/>
+                <a:ea typeface="M+ 1p light" panose="020B0402020203020204" pitchFamily="50" charset="-128"/>
+                <a:cs typeface="M+ 1p light" panose="020B0402020203020204" pitchFamily="50" charset="-128"/>
+              </a:rPr>
+              <a:t>三角形の性質を調べる</a:t>
+            </a:r>
+            <a:r>
+              <a:rPr lang="en-US" altLang="ja-JP" sz="1600" dirty="0">
+                <a:latin typeface="M+ 1p light" panose="020B0402020203020204" pitchFamily="50" charset="-128"/>
+                <a:ea typeface="M+ 1p light" panose="020B0402020203020204" pitchFamily="50" charset="-128"/>
+                <a:cs typeface="M+ 1p light" panose="020B0402020203020204" pitchFamily="50" charset="-128"/>
+              </a:rPr>
+              <a:t>(</a:t>
+            </a:r>
+            <a:r>
+              <a:rPr lang="ja-JP" altLang="en-US" sz="1600" dirty="0">
+                <a:latin typeface="M+ 1p light" panose="020B0402020203020204" pitchFamily="50" charset="-128"/>
+                <a:ea typeface="M+ 1p light" panose="020B0402020203020204" pitchFamily="50" charset="-128"/>
+                <a:cs typeface="M+ 1p light" panose="020B0402020203020204" pitchFamily="50" charset="-128"/>
+              </a:rPr>
+              <a:t>内角の和</a:t>
+            </a:r>
+            <a:r>
+              <a:rPr lang="en-US" altLang="ja-JP" sz="1600" dirty="0">
+                <a:latin typeface="M+ 1p light" panose="020B0402020203020204" pitchFamily="50" charset="-128"/>
+                <a:ea typeface="M+ 1p light" panose="020B0402020203020204" pitchFamily="50" charset="-128"/>
+                <a:cs typeface="M+ 1p light" panose="020B0402020203020204" pitchFamily="50" charset="-128"/>
+              </a:rPr>
+              <a:t>, </a:t>
+            </a:r>
+            <a:r>
+              <a:rPr lang="ja-JP" altLang="en-US" sz="1600" dirty="0">
+                <a:latin typeface="M+ 1p light" panose="020B0402020203020204" pitchFamily="50" charset="-128"/>
+                <a:ea typeface="M+ 1p light" panose="020B0402020203020204" pitchFamily="50" charset="-128"/>
+                <a:cs typeface="M+ 1p light" panose="020B0402020203020204" pitchFamily="50" charset="-128"/>
+              </a:rPr>
+              <a:t>円周角の定理</a:t>
+            </a:r>
+            <a:r>
+              <a:rPr lang="en-US" altLang="ja-JP" sz="1600" dirty="0">
+                <a:latin typeface="M+ 1p light" panose="020B0402020203020204" pitchFamily="50" charset="-128"/>
+                <a:ea typeface="M+ 1p light" panose="020B0402020203020204" pitchFamily="50" charset="-128"/>
+                <a:cs typeface="M+ 1p light" panose="020B0402020203020204" pitchFamily="50" charset="-128"/>
+              </a:rPr>
+              <a:t>, </a:t>
+            </a:r>
+            <a:r>
+              <a:rPr lang="ja-JP" altLang="en-US" sz="1600" dirty="0">
+                <a:latin typeface="M+ 1p light" panose="020B0402020203020204" pitchFamily="50" charset="-128"/>
+                <a:ea typeface="M+ 1p light" panose="020B0402020203020204" pitchFamily="50" charset="-128"/>
+                <a:cs typeface="M+ 1p light" panose="020B0402020203020204" pitchFamily="50" charset="-128"/>
+              </a:rPr>
+              <a:t>正弦</a:t>
+            </a:r>
+            <a:r>
+              <a:rPr lang="en-US" altLang="ja-JP" sz="1600" dirty="0">
+                <a:latin typeface="M+ 1p light" panose="020B0402020203020204" pitchFamily="50" charset="-128"/>
+                <a:ea typeface="M+ 1p light" panose="020B0402020203020204" pitchFamily="50" charset="-128"/>
+                <a:cs typeface="M+ 1p light" panose="020B0402020203020204" pitchFamily="50" charset="-128"/>
+              </a:rPr>
+              <a:t>/</a:t>
+            </a:r>
+            <a:r>
+              <a:rPr lang="ja-JP" altLang="en-US" sz="1600" dirty="0">
+                <a:latin typeface="M+ 1p light" panose="020B0402020203020204" pitchFamily="50" charset="-128"/>
+                <a:ea typeface="M+ 1p light" panose="020B0402020203020204" pitchFamily="50" charset="-128"/>
+                <a:cs typeface="M+ 1p light" panose="020B0402020203020204" pitchFamily="50" charset="-128"/>
+              </a:rPr>
+              <a:t>余弦定理</a:t>
+            </a:r>
+            <a:r>
+              <a:rPr lang="en-US" altLang="ja-JP" sz="1600" dirty="0">
+                <a:latin typeface="M+ 1p light" panose="020B0402020203020204" pitchFamily="50" charset="-128"/>
+                <a:ea typeface="M+ 1p light" panose="020B0402020203020204" pitchFamily="50" charset="-128"/>
+                <a:cs typeface="M+ 1p light" panose="020B0402020203020204" pitchFamily="50" charset="-128"/>
+              </a:rPr>
+              <a:t>…)</a:t>
+            </a:r>
+          </a:p>
+          <a:p>
+            <a:pPr marL="342900" lvl="0">
+              <a:buAutoNum type="arabicPeriod"/>
+            </a:pPr>
+            <a:r>
+              <a:rPr lang="ja-JP" altLang="en-US" sz="1600" dirty="0">
+                <a:latin typeface="M+ 1p light" panose="020B0402020203020204" pitchFamily="50" charset="-128"/>
+                <a:ea typeface="M+ 1p light" panose="020B0402020203020204" pitchFamily="50" charset="-128"/>
+                <a:cs typeface="M+ 1p light" panose="020B0402020203020204" pitchFamily="50" charset="-128"/>
+              </a:rPr>
+              <a:t>三角形の合同の定義をした後</a:t>
+            </a:r>
+            <a:r>
+              <a:rPr lang="en-US" altLang="ja-JP" sz="1600" dirty="0">
+                <a:latin typeface="M+ 1p light" panose="020B0402020203020204" pitchFamily="50" charset="-128"/>
+                <a:ea typeface="M+ 1p light" panose="020B0402020203020204" pitchFamily="50" charset="-128"/>
+                <a:cs typeface="M+ 1p light" panose="020B0402020203020204" pitchFamily="50" charset="-128"/>
+              </a:rPr>
+              <a:t>, </a:t>
+            </a:r>
+            <a:r>
+              <a:rPr lang="ja-JP" altLang="en-US" sz="1600" dirty="0">
+                <a:latin typeface="M+ 1p light" panose="020B0402020203020204" pitchFamily="50" charset="-128"/>
+                <a:ea typeface="M+ 1p light" panose="020B0402020203020204" pitchFamily="50" charset="-128"/>
+                <a:cs typeface="M+ 1p light" panose="020B0402020203020204" pitchFamily="50" charset="-128"/>
+              </a:rPr>
+              <a:t>定義を満たす条件を見つけて行く</a:t>
             </a:r>
             <a:endParaRPr lang="en-US" altLang="ja-JP" sz="1600" dirty="0">
               <a:latin typeface="M+ 1p light" panose="020B0402020203020204" pitchFamily="50" charset="-128"/>
@@ -27750,8 +28647,8 @@
           </a:p>
         </p:txBody>
       </p:sp>
-      <mc:AlternateContent xmlns:mc="http://schemas.openxmlformats.org/markup-compatibility/2006">
-        <mc:Choice xmlns:a14="http://schemas.microsoft.com/office/drawing/2010/main" Requires="a14">
+      <mc:AlternateContent xmlns:mc="http://schemas.openxmlformats.org/markup-compatibility/2006" xmlns:a14="http://schemas.microsoft.com/office/drawing/2010/main">
+        <mc:Choice Requires="a14">
           <p:sp>
             <p:nvSpPr>
               <p:cNvPr id="61" name="Google Shape;61;p14"/>
@@ -27808,11 +28705,22 @@
                 </a:pPr>
                 <a:r>
                   <a:rPr lang="ja-JP" altLang="en-US" sz="1600" dirty="0">
-                    <a:latin typeface="M+ 1p light" panose="020B0402020203020204" pitchFamily="50" charset="-128"/>
-                    <a:ea typeface="M+ 1p light" panose="020B0402020203020204" pitchFamily="50" charset="-128"/>
-                    <a:cs typeface="M+ 1p light" panose="020B0402020203020204" pitchFamily="50" charset="-128"/>
-                  </a:rPr>
-                  <a:t>ユークリッド平面上の線分を</a:t>
+                    <a:solidFill>
+                      <a:srgbClr val="0097A7"/>
+                    </a:solidFill>
+                    <a:latin typeface="M+ 1p light" panose="020B0402020203020204" pitchFamily="50" charset="-128"/>
+                    <a:ea typeface="M+ 1p light" panose="020B0402020203020204" pitchFamily="50" charset="-128"/>
+                    <a:cs typeface="M+ 1p light" panose="020B0402020203020204" pitchFamily="50" charset="-128"/>
+                  </a:rPr>
+                  <a:t>ユークリッド平面上</a:t>
+                </a:r>
+                <a:r>
+                  <a:rPr lang="ja-JP" altLang="en-US" sz="1600" dirty="0">
+                    <a:latin typeface="M+ 1p light" panose="020B0402020203020204" pitchFamily="50" charset="-128"/>
+                    <a:ea typeface="M+ 1p light" panose="020B0402020203020204" pitchFamily="50" charset="-128"/>
+                    <a:cs typeface="M+ 1p light" panose="020B0402020203020204" pitchFamily="50" charset="-128"/>
+                  </a:rPr>
+                  <a:t>の線分を</a:t>
                 </a:r>
                 <a14:m>
                   <m:oMath xmlns:m="http://schemas.openxmlformats.org/officeDocument/2006/math">
@@ -28102,11 +29010,22 @@
                 </a:pPr>
                 <a:r>
                   <a:rPr lang="ja-JP" altLang="en-US" sz="1600" dirty="0">
-                    <a:latin typeface="M+ 1p light" panose="020B0402020203020204" pitchFamily="50" charset="-128"/>
-                    <a:ea typeface="M+ 1p light" panose="020B0402020203020204" pitchFamily="50" charset="-128"/>
-                    <a:cs typeface="M+ 1p light" panose="020B0402020203020204" pitchFamily="50" charset="-128"/>
-                  </a:rPr>
-                  <a:t>ユークリッド平面上の三角形を</a:t>
+                    <a:solidFill>
+                      <a:srgbClr val="0097A7"/>
+                    </a:solidFill>
+                    <a:latin typeface="M+ 1p light" panose="020B0402020203020204" pitchFamily="50" charset="-128"/>
+                    <a:ea typeface="M+ 1p light" panose="020B0402020203020204" pitchFamily="50" charset="-128"/>
+                    <a:cs typeface="M+ 1p light" panose="020B0402020203020204" pitchFamily="50" charset="-128"/>
+                  </a:rPr>
+                  <a:t>ユークリッド平面上</a:t>
+                </a:r>
+                <a:r>
+                  <a:rPr lang="ja-JP" altLang="en-US" sz="1600" dirty="0">
+                    <a:latin typeface="M+ 1p light" panose="020B0402020203020204" pitchFamily="50" charset="-128"/>
+                    <a:ea typeface="M+ 1p light" panose="020B0402020203020204" pitchFamily="50" charset="-128"/>
+                    <a:cs typeface="M+ 1p light" panose="020B0402020203020204" pitchFamily="50" charset="-128"/>
+                  </a:rPr>
+                  <a:t>の三角形を</a:t>
                 </a:r>
                 <a:r>
                   <a:rPr lang="en-US" altLang="ja-JP" sz="1600" dirty="0">
@@ -28501,6 +29420,16 @@
                 <a:pPr marL="0" lvl="0" indent="0">
                   <a:buNone/>
                 </a:pPr>
+                <a:endParaRPr lang="en-US" altLang="ja-JP" sz="1600" dirty="0">
+                  <a:latin typeface="M+ 1p light" panose="020B0402020203020204" pitchFamily="50" charset="-128"/>
+                  <a:ea typeface="M+ 1p light" panose="020B0402020203020204" pitchFamily="50" charset="-128"/>
+                  <a:cs typeface="M+ 1p light" panose="020B0402020203020204" pitchFamily="50" charset="-128"/>
+                </a:endParaRPr>
+              </a:p>
+              <a:p>
+                <a:pPr marL="0" lvl="0" indent="0" algn="ctr">
+                  <a:buNone/>
+                </a:pPr>
                 <a:r>
                   <a:rPr lang="ja-JP" altLang="en-US" sz="1600" dirty="0">
                     <a:latin typeface="M+ 1p light" panose="020B0402020203020204" pitchFamily="50" charset="-128"/>
@@ -28564,7 +29493,7 @@
             </p:txBody>
           </p:sp>
         </mc:Choice>
-        <mc:Fallback>
+        <mc:Fallback xmlns="">
           <p:sp>
             <p:nvSpPr>
               <p:cNvPr id="61" name="Google Shape;61;p14"/>
@@ -29039,8 +29968,8 @@
           </a:p>
         </p:txBody>
       </p:sp>
-      <mc:AlternateContent xmlns:mc="http://schemas.openxmlformats.org/markup-compatibility/2006">
-        <mc:Choice xmlns:a14="http://schemas.microsoft.com/office/drawing/2010/main" Requires="a14">
+      <mc:AlternateContent xmlns:mc="http://schemas.openxmlformats.org/markup-compatibility/2006" xmlns:a14="http://schemas.microsoft.com/office/drawing/2010/main">
+        <mc:Choice Requires="a14">
           <p:sp>
             <p:nvSpPr>
               <p:cNvPr id="61" name="Google Shape;61;p14"/>
@@ -29221,7 +30150,7 @@
                     <a:ea typeface="M+ 1p light" panose="020B0402020203020204" pitchFamily="50" charset="-128"/>
                     <a:cs typeface="M+ 1p light" panose="020B0402020203020204" pitchFamily="50" charset="-128"/>
                   </a:rPr>
-                  <a:t>この定理は</a:t>
+                  <a:t>ちなみにこの定理は</a:t>
                 </a:r>
                 <a:r>
                   <a:rPr lang="en-US" altLang="ja-JP" sz="1600" dirty="0">
@@ -29237,7 +30166,7 @@
                     <a:ea typeface="M+ 1p light" panose="020B0402020203020204" pitchFamily="50" charset="-128"/>
                     <a:cs typeface="M+ 1p light" panose="020B0402020203020204" pitchFamily="50" charset="-128"/>
                   </a:rPr>
-                  <a:t>実はユークリッドの第五公準と同値であり</a:t>
+                  <a:t>ユークリッドの第五公準と同値</a:t>
                 </a:r>
                 <a:r>
                   <a:rPr lang="en-US" altLang="ja-JP" sz="1600" dirty="0">
@@ -29245,6 +30174,53 @@
                     <a:ea typeface="M+ 1p light" panose="020B0402020203020204" pitchFamily="50" charset="-128"/>
                     <a:cs typeface="M+ 1p light" panose="020B0402020203020204" pitchFamily="50" charset="-128"/>
                   </a:rPr>
+                  <a:t>(</a:t>
+                </a:r>
+                <a:r>
+                  <a:rPr lang="ja-JP" altLang="en-US" sz="1600" dirty="0">
+                    <a:latin typeface="M+ 1p light" panose="020B0402020203020204" pitchFamily="50" charset="-128"/>
+                    <a:ea typeface="M+ 1p light" panose="020B0402020203020204" pitchFamily="50" charset="-128"/>
+                    <a:cs typeface="M+ 1p light" panose="020B0402020203020204" pitchFamily="50" charset="-128"/>
+                  </a:rPr>
+                  <a:t>第五公準を仮定せず示せる内角</a:t>
+                </a:r>
+                <a:r>
+                  <a:rPr lang="en-US" altLang="ja-JP" sz="1600" dirty="0">
+                    <a:latin typeface="M+ 1p light" panose="020B0402020203020204" pitchFamily="50" charset="-128"/>
+                    <a:ea typeface="M+ 1p light" panose="020B0402020203020204" pitchFamily="50" charset="-128"/>
+                    <a:cs typeface="M+ 1p light" panose="020B0402020203020204" pitchFamily="50" charset="-128"/>
+                  </a:rPr>
+                  <a:t>)</a:t>
+                </a:r>
+              </a:p>
+              <a:p>
+                <a:pPr marL="0" lvl="0" indent="0">
+                  <a:buNone/>
+                </a:pPr>
+                <a:endParaRPr lang="en-US" altLang="ja-JP" sz="1600" dirty="0">
+                  <a:latin typeface="M+ 1p light" panose="020B0402020203020204" pitchFamily="50" charset="-128"/>
+                  <a:ea typeface="M+ 1p light" panose="020B0402020203020204" pitchFamily="50" charset="-128"/>
+                  <a:cs typeface="M+ 1p light" panose="020B0402020203020204" pitchFamily="50" charset="-128"/>
+                </a:endParaRPr>
+              </a:p>
+              <a:p>
+                <a:pPr marL="0" lvl="0" indent="0">
+                  <a:buNone/>
+                </a:pPr>
+                <a:r>
+                  <a:rPr lang="ja-JP" altLang="en-US" sz="1600" dirty="0">
+                    <a:latin typeface="M+ 1p light" panose="020B0402020203020204" pitchFamily="50" charset="-128"/>
+                    <a:ea typeface="M+ 1p light" panose="020B0402020203020204" pitchFamily="50" charset="-128"/>
+                    <a:cs typeface="M+ 1p light" panose="020B0402020203020204" pitchFamily="50" charset="-128"/>
+                  </a:rPr>
+                  <a:t>サッケーリは</a:t>
+                </a:r>
+                <a:r>
+                  <a:rPr lang="en-US" altLang="ja-JP" sz="1600" dirty="0">
+                    <a:latin typeface="M+ 1p light" panose="020B0402020203020204" pitchFamily="50" charset="-128"/>
+                    <a:ea typeface="M+ 1p light" panose="020B0402020203020204" pitchFamily="50" charset="-128"/>
+                    <a:cs typeface="M+ 1p light" panose="020B0402020203020204" pitchFamily="50" charset="-128"/>
+                  </a:rPr>
                   <a:t>, </a:t>
                 </a:r>
                 <a:r>
@@ -29253,7 +30229,7 @@
                     <a:ea typeface="M+ 1p light" panose="020B0402020203020204" pitchFamily="50" charset="-128"/>
                     <a:cs typeface="M+ 1p light" panose="020B0402020203020204" pitchFamily="50" charset="-128"/>
                   </a:rPr>
-                  <a:t>これを仮定しない</a:t>
+                  <a:t>この過程から</a:t>
                 </a:r>
                 <a:r>
                   <a:rPr lang="en-US" altLang="ja-JP" sz="1600" dirty="0">
@@ -29261,7 +30237,7 @@
                     <a:ea typeface="M+ 1p light" panose="020B0402020203020204" pitchFamily="50" charset="-128"/>
                     <a:cs typeface="M+ 1p light" panose="020B0402020203020204" pitchFamily="50" charset="-128"/>
                   </a:rPr>
-                  <a:t>(= </a:t>
+                  <a:t>, </a:t>
                 </a:r>
                 <a:r>
                   <a:rPr lang="ja-JP" altLang="en-US" sz="1600" dirty="0">
@@ -29269,7 +30245,7 @@
                     <a:ea typeface="M+ 1p light" panose="020B0402020203020204" pitchFamily="50" charset="-128"/>
                     <a:cs typeface="M+ 1p light" panose="020B0402020203020204" pitchFamily="50" charset="-128"/>
                   </a:rPr>
-                  <a:t>内角</a:t>
+                  <a:t>以下の三つの排反かつどれかが成り立つ仮定から</a:t>
                 </a:r>
                 <a:r>
                   <a:rPr lang="en-US" altLang="ja-JP" sz="1600" dirty="0">
@@ -29277,26 +30253,161 @@
                     <a:ea typeface="M+ 1p light" panose="020B0402020203020204" pitchFamily="50" charset="-128"/>
                     <a:cs typeface="M+ 1p light" panose="020B0402020203020204" pitchFamily="50" charset="-128"/>
                   </a:rPr>
-                  <a:t>not</a:t>
-                </a:r>
-                <a14:m>
-                  <m:oMath xmlns:m="http://schemas.openxmlformats.org/officeDocument/2006/math">
-                    <m:r>
-                      <a:rPr lang="en-US" altLang="ja-JP" sz="1600" b="0" i="1" smtClean="0">
-                        <a:latin typeface="Cambria Math" panose="02040503050406030204" pitchFamily="18" charset="0"/>
-                        <a:ea typeface="M+ 1p light" panose="020B0402020203020204" pitchFamily="50" charset="-128"/>
-                        <a:cs typeface="M+ 1p light" panose="020B0402020203020204" pitchFamily="50" charset="-128"/>
-                      </a:rPr>
-                      <m:t>𝜋</m:t>
-                    </m:r>
-                  </m:oMath>
-                </a14:m>
+                  <a:t>, </a:t>
+                </a:r>
+                <a:r>
+                  <a:rPr lang="ja-JP" altLang="en-US" sz="1600" dirty="0">
+                    <a:latin typeface="M+ 1p light" panose="020B0402020203020204" pitchFamily="50" charset="-128"/>
+                    <a:ea typeface="M+ 1p light" panose="020B0402020203020204" pitchFamily="50" charset="-128"/>
+                    <a:cs typeface="M+ 1p light" panose="020B0402020203020204" pitchFamily="50" charset="-128"/>
+                  </a:rPr>
+                  <a:t>直角仮定だけが導かれるため</a:t>
+                </a:r>
                 <a:r>
                   <a:rPr lang="en-US" altLang="ja-JP" sz="1600" dirty="0">
                     <a:latin typeface="M+ 1p light" panose="020B0402020203020204" pitchFamily="50" charset="-128"/>
                     <a:ea typeface="M+ 1p light" panose="020B0402020203020204" pitchFamily="50" charset="-128"/>
                     <a:cs typeface="M+ 1p light" panose="020B0402020203020204" pitchFamily="50" charset="-128"/>
                   </a:rPr>
+                  <a:t>, </a:t>
+                </a:r>
+                <a:r>
+                  <a:rPr lang="ja-JP" altLang="en-US" sz="1600" dirty="0">
+                    <a:latin typeface="M+ 1p light" panose="020B0402020203020204" pitchFamily="50" charset="-128"/>
+                    <a:ea typeface="M+ 1p light" panose="020B0402020203020204" pitchFamily="50" charset="-128"/>
+                    <a:cs typeface="M+ 1p light" panose="020B0402020203020204" pitchFamily="50" charset="-128"/>
+                  </a:rPr>
+                  <a:t>平行線は他の公準</a:t>
+                </a:r>
+                <a:r>
+                  <a:rPr lang="en-US" altLang="ja-JP" sz="1600" dirty="0">
+                    <a:latin typeface="M+ 1p light" panose="020B0402020203020204" pitchFamily="50" charset="-128"/>
+                    <a:ea typeface="M+ 1p light" panose="020B0402020203020204" pitchFamily="50" charset="-128"/>
+                    <a:cs typeface="M+ 1p light" panose="020B0402020203020204" pitchFamily="50" charset="-128"/>
+                  </a:rPr>
+                  <a:t>/</a:t>
+                </a:r>
+                <a:r>
+                  <a:rPr lang="ja-JP" altLang="en-US" sz="1600" dirty="0">
+                    <a:latin typeface="M+ 1p light" panose="020B0402020203020204" pitchFamily="50" charset="-128"/>
+                    <a:ea typeface="M+ 1p light" panose="020B0402020203020204" pitchFamily="50" charset="-128"/>
+                    <a:cs typeface="M+ 1p light" panose="020B0402020203020204" pitchFamily="50" charset="-128"/>
+                  </a:rPr>
+                  <a:t>公理からみなせるとしようとした</a:t>
+                </a:r>
+                <a:endParaRPr lang="en-US" altLang="ja-JP" sz="1600" dirty="0">
+                  <a:latin typeface="M+ 1p light" panose="020B0402020203020204" pitchFamily="50" charset="-128"/>
+                  <a:ea typeface="M+ 1p light" panose="020B0402020203020204" pitchFamily="50" charset="-128"/>
+                  <a:cs typeface="M+ 1p light" panose="020B0402020203020204" pitchFamily="50" charset="-128"/>
+                </a:endParaRPr>
+              </a:p>
+              <a:p>
+                <a:pPr marL="285750" lvl="0" indent="-285750">
+                  <a:buFontTx/>
+                  <a:buChar char="-"/>
+                </a:pPr>
+                <a:r>
+                  <a:rPr lang="ja-JP" altLang="en-US" sz="1600" dirty="0">
+                    <a:latin typeface="M+ 1p light" panose="020B0402020203020204" pitchFamily="50" charset="-128"/>
+                    <a:ea typeface="M+ 1p light" panose="020B0402020203020204" pitchFamily="50" charset="-128"/>
+                    <a:cs typeface="M+ 1p light" panose="020B0402020203020204" pitchFamily="50" charset="-128"/>
+                  </a:rPr>
+                  <a:t>鋭角仮定</a:t>
+                </a:r>
+                <a:endParaRPr lang="en-US" altLang="ja-JP" sz="1600" dirty="0">
+                  <a:latin typeface="M+ 1p light" panose="020B0402020203020204" pitchFamily="50" charset="-128"/>
+                  <a:ea typeface="M+ 1p light" panose="020B0402020203020204" pitchFamily="50" charset="-128"/>
+                  <a:cs typeface="M+ 1p light" panose="020B0402020203020204" pitchFamily="50" charset="-128"/>
+                </a:endParaRPr>
+              </a:p>
+              <a:p>
+                <a:pPr marL="285750" lvl="0" indent="-285750">
+                  <a:buFontTx/>
+                  <a:buChar char="-"/>
+                </a:pPr>
+                <a:r>
+                  <a:rPr lang="ja-JP" altLang="en-US" sz="1600" dirty="0">
+                    <a:latin typeface="M+ 1p light" panose="020B0402020203020204" pitchFamily="50" charset="-128"/>
+                    <a:ea typeface="M+ 1p light" panose="020B0402020203020204" pitchFamily="50" charset="-128"/>
+                    <a:cs typeface="M+ 1p light" panose="020B0402020203020204" pitchFamily="50" charset="-128"/>
+                  </a:rPr>
+                  <a:t>直角仮定</a:t>
+                </a:r>
+                <a:endParaRPr lang="en-US" altLang="ja-JP" sz="1600" dirty="0">
+                  <a:latin typeface="M+ 1p light" panose="020B0402020203020204" pitchFamily="50" charset="-128"/>
+                  <a:ea typeface="M+ 1p light" panose="020B0402020203020204" pitchFamily="50" charset="-128"/>
+                  <a:cs typeface="M+ 1p light" panose="020B0402020203020204" pitchFamily="50" charset="-128"/>
+                </a:endParaRPr>
+              </a:p>
+              <a:p>
+                <a:pPr marL="285750" lvl="0" indent="-285750">
+                  <a:buFontTx/>
+                  <a:buChar char="-"/>
+                </a:pPr>
+                <a:r>
+                  <a:rPr lang="ja-JP" altLang="en-US" sz="1600" dirty="0">
+                    <a:latin typeface="M+ 1p light" panose="020B0402020203020204" pitchFamily="50" charset="-128"/>
+                    <a:ea typeface="M+ 1p light" panose="020B0402020203020204" pitchFamily="50" charset="-128"/>
+                    <a:cs typeface="M+ 1p light" panose="020B0402020203020204" pitchFamily="50" charset="-128"/>
+                  </a:rPr>
+                  <a:t>鈍角家庭</a:t>
+                </a:r>
+                <a:endParaRPr lang="en-US" altLang="ja-JP" sz="1600" dirty="0">
+                  <a:latin typeface="M+ 1p light" panose="020B0402020203020204" pitchFamily="50" charset="-128"/>
+                  <a:ea typeface="M+ 1p light" panose="020B0402020203020204" pitchFamily="50" charset="-128"/>
+                  <a:cs typeface="M+ 1p light" panose="020B0402020203020204" pitchFamily="50" charset="-128"/>
+                </a:endParaRPr>
+              </a:p>
+              <a:p>
+                <a:pPr marL="0" lvl="0" indent="0">
+                  <a:buNone/>
+                </a:pPr>
+                <a:r>
+                  <a:rPr lang="ja-JP" altLang="en-US" sz="1600" dirty="0">
+                    <a:latin typeface="M+ 1p light" panose="020B0402020203020204" pitchFamily="50" charset="-128"/>
+                    <a:ea typeface="M+ 1p light" panose="020B0402020203020204" pitchFamily="50" charset="-128"/>
+                    <a:cs typeface="M+ 1p light" panose="020B0402020203020204" pitchFamily="50" charset="-128"/>
+                  </a:rPr>
+                  <a:t>三角形の内角は</a:t>
+                </a:r>
+                <a:r>
+                  <a:rPr lang="en-US" altLang="ja-JP" sz="1600" dirty="0">
+                    <a:latin typeface="M+ 1p light" panose="020B0402020203020204" pitchFamily="50" charset="-128"/>
+                    <a:ea typeface="M+ 1p light" panose="020B0402020203020204" pitchFamily="50" charset="-128"/>
+                    <a:cs typeface="M+ 1p light" panose="020B0402020203020204" pitchFamily="50" charset="-128"/>
+                  </a:rPr>
+                  <a:t>2</a:t>
+                </a:r>
+                <a:r>
+                  <a:rPr lang="ja-JP" altLang="en-US" sz="1600" dirty="0">
+                    <a:latin typeface="M+ 1p light" panose="020B0402020203020204" pitchFamily="50" charset="-128"/>
+                    <a:ea typeface="M+ 1p light" panose="020B0402020203020204" pitchFamily="50" charset="-128"/>
+                    <a:cs typeface="M+ 1p light" panose="020B0402020203020204" pitchFamily="50" charset="-128"/>
+                  </a:rPr>
+                  <a:t>直角以下</a:t>
+                </a:r>
+                <a:r>
+                  <a:rPr lang="en-US" altLang="ja-JP" sz="1600" dirty="0">
+                    <a:latin typeface="M+ 1p light" panose="020B0402020203020204" pitchFamily="50" charset="-128"/>
+                    <a:ea typeface="M+ 1p light" panose="020B0402020203020204" pitchFamily="50" charset="-128"/>
+                    <a:cs typeface="M+ 1p light" panose="020B0402020203020204" pitchFamily="50" charset="-128"/>
+                  </a:rPr>
+                  <a:t>(</a:t>
+                </a:r>
+                <a:r>
+                  <a:rPr lang="ja-JP" altLang="en-US" sz="1600" dirty="0">
+                    <a:latin typeface="M+ 1p light" panose="020B0402020203020204" pitchFamily="50" charset="-128"/>
+                    <a:ea typeface="M+ 1p light" panose="020B0402020203020204" pitchFamily="50" charset="-128"/>
+                    <a:cs typeface="M+ 1p light" panose="020B0402020203020204" pitchFamily="50" charset="-128"/>
+                  </a:rPr>
+                  <a:t>サッケーリルジャンドルの定理</a:t>
+                </a:r>
+                <a:r>
+                  <a:rPr lang="en-US" altLang="ja-JP" sz="1600" dirty="0">
+                    <a:latin typeface="M+ 1p light" panose="020B0402020203020204" pitchFamily="50" charset="-128"/>
+                    <a:ea typeface="M+ 1p light" panose="020B0402020203020204" pitchFamily="50" charset="-128"/>
+                    <a:cs typeface="M+ 1p light" panose="020B0402020203020204" pitchFamily="50" charset="-128"/>
+                  </a:rPr>
                   <a:t>)</a:t>
                 </a:r>
                 <a:r>
@@ -29305,7 +30416,73 @@
                     <a:ea typeface="M+ 1p light" panose="020B0402020203020204" pitchFamily="50" charset="-128"/>
                     <a:cs typeface="M+ 1p light" panose="020B0402020203020204" pitchFamily="50" charset="-128"/>
                   </a:rPr>
-                  <a:t>のが非ユークリッド幾何の最初だったりする</a:t>
+                  <a:t>までは行けたみたい</a:t>
+                </a:r>
+                <a:endParaRPr lang="en-US" altLang="ja-JP" sz="1600" dirty="0">
+                  <a:latin typeface="M+ 1p light" panose="020B0402020203020204" pitchFamily="50" charset="-128"/>
+                  <a:ea typeface="M+ 1p light" panose="020B0402020203020204" pitchFamily="50" charset="-128"/>
+                  <a:cs typeface="M+ 1p light" panose="020B0402020203020204" pitchFamily="50" charset="-128"/>
+                </a:endParaRPr>
+              </a:p>
+              <a:p>
+                <a:pPr marL="0" lvl="0" indent="0">
+                  <a:buNone/>
+                </a:pPr>
+                <a:r>
+                  <a:rPr lang="ja-JP" altLang="en-US" sz="1600" dirty="0">
+                    <a:latin typeface="M+ 1p light" panose="020B0402020203020204" pitchFamily="50" charset="-128"/>
+                    <a:ea typeface="M+ 1p light" panose="020B0402020203020204" pitchFamily="50" charset="-128"/>
+                    <a:cs typeface="M+ 1p light" panose="020B0402020203020204" pitchFamily="50" charset="-128"/>
+                  </a:rPr>
+                  <a:t>一方ガウスは</a:t>
+                </a:r>
+                <a:r>
+                  <a:rPr lang="en-US" altLang="ja-JP" sz="1600" dirty="0">
+                    <a:latin typeface="M+ 1p light" panose="020B0402020203020204" pitchFamily="50" charset="-128"/>
+                    <a:ea typeface="M+ 1p light" panose="020B0402020203020204" pitchFamily="50" charset="-128"/>
+                    <a:cs typeface="M+ 1p light" panose="020B0402020203020204" pitchFamily="50" charset="-128"/>
+                  </a:rPr>
+                  <a:t>, 2</a:t>
+                </a:r>
+                <a:r>
+                  <a:rPr lang="ja-JP" altLang="en-US" sz="1600" dirty="0">
+                    <a:latin typeface="M+ 1p light" panose="020B0402020203020204" pitchFamily="50" charset="-128"/>
+                    <a:ea typeface="M+ 1p light" panose="020B0402020203020204" pitchFamily="50" charset="-128"/>
+                    <a:cs typeface="M+ 1p light" panose="020B0402020203020204" pitchFamily="50" charset="-128"/>
+                  </a:rPr>
+                  <a:t>直角以下の面積を一般化して考えると</a:t>
+                </a:r>
+                <a:r>
+                  <a:rPr lang="en-US" altLang="ja-JP" sz="1600" dirty="0">
+                    <a:latin typeface="M+ 1p light" panose="020B0402020203020204" pitchFamily="50" charset="-128"/>
+                    <a:ea typeface="M+ 1p light" panose="020B0402020203020204" pitchFamily="50" charset="-128"/>
+                    <a:cs typeface="M+ 1p light" panose="020B0402020203020204" pitchFamily="50" charset="-128"/>
+                  </a:rPr>
+                  <a:t>, </a:t>
+                </a:r>
+                <a:r>
+                  <a:rPr lang="ja-JP" altLang="en-US" sz="1600" dirty="0">
+                    <a:latin typeface="M+ 1p light" panose="020B0402020203020204" pitchFamily="50" charset="-128"/>
+                    <a:ea typeface="M+ 1p light" panose="020B0402020203020204" pitchFamily="50" charset="-128"/>
+                    <a:cs typeface="M+ 1p light" panose="020B0402020203020204" pitchFamily="50" charset="-128"/>
+                  </a:rPr>
+                  <a:t>面積が増える</a:t>
+                </a:r>
+                <a:r>
+                  <a:rPr lang="en-US" altLang="ja-JP" sz="1600" dirty="0">
+                    <a:latin typeface="M+ 1p light" panose="020B0402020203020204" pitchFamily="50" charset="-128"/>
+                    <a:ea typeface="M+ 1p light" panose="020B0402020203020204" pitchFamily="50" charset="-128"/>
+                    <a:cs typeface="M+ 1p light" panose="020B0402020203020204" pitchFamily="50" charset="-128"/>
+                  </a:rPr>
+                  <a:t>(1/K)</a:t>
+                </a:r>
+                <a:r>
+                  <a:rPr lang="ja-JP" altLang="en-US" sz="1600" dirty="0">
+                    <a:latin typeface="M+ 1p light" panose="020B0402020203020204" pitchFamily="50" charset="-128"/>
+                    <a:ea typeface="M+ 1p light" panose="020B0402020203020204" pitchFamily="50" charset="-128"/>
+                    <a:cs typeface="M+ 1p light" panose="020B0402020203020204" pitchFamily="50" charset="-128"/>
+                  </a:rPr>
+                  <a:t>とか考えてた</a:t>
                 </a:r>
                 <a:r>
                   <a:rPr lang="en-US" altLang="ja-JP" sz="1600" dirty="0">
@@ -29319,7 +30496,7 @@
             </p:txBody>
           </p:sp>
         </mc:Choice>
-        <mc:Fallback>
+        <mc:Fallback xmlns="">
           <p:sp>
             <p:nvSpPr>
               <p:cNvPr id="61" name="Google Shape;61;p14"/>
@@ -29341,7 +30518,7 @@
               <a:blipFill>
                 <a:blip r:embed="rId4"/>
                 <a:stretch>
-                  <a:fillRect l="-358"/>
+                  <a:fillRect l="-858" b="-4821"/>
                 </a:stretch>
               </a:blipFill>
             </p:spPr>
